--- a/docs/source/dev_docs/documentation.pptx
+++ b/docs/source/dev_docs/documentation.pptx
@@ -2,18 +2,18 @@
 <file path=ppt/presentation.xml><?xml version="1.0" encoding="utf-8"?>
 <p:presentation xmlns:a="http://schemas.openxmlformats.org/drawingml/2006/main" xmlns:r="http://schemas.openxmlformats.org/officeDocument/2006/relationships" xmlns:p="http://schemas.openxmlformats.org/presentationml/2006/main" saveSubsetFonts="1">
   <p:sldMasterIdLst>
-    <p:sldMasterId id="2147483648" r:id="rId1"/>
+    <p:sldMasterId id="2147483660" r:id="rId1"/>
   </p:sldMasterIdLst>
   <p:sldIdLst>
     <p:sldId id="256" r:id="rId2"/>
   </p:sldIdLst>
-  <p:sldSz cx="12192000" cy="6858000"/>
+  <p:sldSz cx="10799763" cy="6858000"/>
   <p:notesSz cx="6858000" cy="9144000"/>
   <p:defaultTextStyle>
     <a:defPPr>
       <a:defRPr lang="en-US"/>
     </a:defPPr>
-    <a:lvl1pPr marL="0" algn="l" defTabSz="914400" rtl="0" eaLnBrk="1" latinLnBrk="0" hangingPunct="1">
+    <a:lvl1pPr marL="0" algn="l" defTabSz="457200" rtl="0" eaLnBrk="1" latinLnBrk="0" hangingPunct="1">
       <a:defRPr sz="1800" kern="1200">
         <a:solidFill>
           <a:schemeClr val="tx1"/>
@@ -23,7 +23,7 @@
         <a:cs typeface="+mn-cs"/>
       </a:defRPr>
     </a:lvl1pPr>
-    <a:lvl2pPr marL="457200" algn="l" defTabSz="914400" rtl="0" eaLnBrk="1" latinLnBrk="0" hangingPunct="1">
+    <a:lvl2pPr marL="457200" algn="l" defTabSz="457200" rtl="0" eaLnBrk="1" latinLnBrk="0" hangingPunct="1">
       <a:defRPr sz="1800" kern="1200">
         <a:solidFill>
           <a:schemeClr val="tx1"/>
@@ -33,7 +33,7 @@
         <a:cs typeface="+mn-cs"/>
       </a:defRPr>
     </a:lvl2pPr>
-    <a:lvl3pPr marL="914400" algn="l" defTabSz="914400" rtl="0" eaLnBrk="1" latinLnBrk="0" hangingPunct="1">
+    <a:lvl3pPr marL="914400" algn="l" defTabSz="457200" rtl="0" eaLnBrk="1" latinLnBrk="0" hangingPunct="1">
       <a:defRPr sz="1800" kern="1200">
         <a:solidFill>
           <a:schemeClr val="tx1"/>
@@ -43,7 +43,7 @@
         <a:cs typeface="+mn-cs"/>
       </a:defRPr>
     </a:lvl3pPr>
-    <a:lvl4pPr marL="1371600" algn="l" defTabSz="914400" rtl="0" eaLnBrk="1" latinLnBrk="0" hangingPunct="1">
+    <a:lvl4pPr marL="1371600" algn="l" defTabSz="457200" rtl="0" eaLnBrk="1" latinLnBrk="0" hangingPunct="1">
       <a:defRPr sz="1800" kern="1200">
         <a:solidFill>
           <a:schemeClr val="tx1"/>
@@ -53,7 +53,7 @@
         <a:cs typeface="+mn-cs"/>
       </a:defRPr>
     </a:lvl4pPr>
-    <a:lvl5pPr marL="1828800" algn="l" defTabSz="914400" rtl="0" eaLnBrk="1" latinLnBrk="0" hangingPunct="1">
+    <a:lvl5pPr marL="1828800" algn="l" defTabSz="457200" rtl="0" eaLnBrk="1" latinLnBrk="0" hangingPunct="1">
       <a:defRPr sz="1800" kern="1200">
         <a:solidFill>
           <a:schemeClr val="tx1"/>
@@ -63,7 +63,7 @@
         <a:cs typeface="+mn-cs"/>
       </a:defRPr>
     </a:lvl5pPr>
-    <a:lvl6pPr marL="2286000" algn="l" defTabSz="914400" rtl="0" eaLnBrk="1" latinLnBrk="0" hangingPunct="1">
+    <a:lvl6pPr marL="2286000" algn="l" defTabSz="457200" rtl="0" eaLnBrk="1" latinLnBrk="0" hangingPunct="1">
       <a:defRPr sz="1800" kern="1200">
         <a:solidFill>
           <a:schemeClr val="tx1"/>
@@ -73,7 +73,7 @@
         <a:cs typeface="+mn-cs"/>
       </a:defRPr>
     </a:lvl6pPr>
-    <a:lvl7pPr marL="2743200" algn="l" defTabSz="914400" rtl="0" eaLnBrk="1" latinLnBrk="0" hangingPunct="1">
+    <a:lvl7pPr marL="2743200" algn="l" defTabSz="457200" rtl="0" eaLnBrk="1" latinLnBrk="0" hangingPunct="1">
       <a:defRPr sz="1800" kern="1200">
         <a:solidFill>
           <a:schemeClr val="tx1"/>
@@ -83,7 +83,7 @@
         <a:cs typeface="+mn-cs"/>
       </a:defRPr>
     </a:lvl7pPr>
-    <a:lvl8pPr marL="3200400" algn="l" defTabSz="914400" rtl="0" eaLnBrk="1" latinLnBrk="0" hangingPunct="1">
+    <a:lvl8pPr marL="3200400" algn="l" defTabSz="457200" rtl="0" eaLnBrk="1" latinLnBrk="0" hangingPunct="1">
       <a:defRPr sz="1800" kern="1200">
         <a:solidFill>
           <a:schemeClr val="tx1"/>
@@ -93,7 +93,7 @@
         <a:cs typeface="+mn-cs"/>
       </a:defRPr>
     </a:lvl8pPr>
-    <a:lvl9pPr marL="3657600" algn="l" defTabSz="914400" rtl="0" eaLnBrk="1" latinLnBrk="0" hangingPunct="1">
+    <a:lvl9pPr marL="3657600" algn="l" defTabSz="457200" rtl="0" eaLnBrk="1" latinLnBrk="0" hangingPunct="1">
       <a:defRPr sz="1800" kern="1200">
         <a:solidFill>
           <a:schemeClr val="tx1"/>
@@ -131,13 +131,7 @@
       </p:grpSpPr>
       <p:sp>
         <p:nvSpPr>
-          <p:cNvPr id="2" name="Titel 1">
-            <a:extLst>
-              <a:ext uri="{FF2B5EF4-FFF2-40B4-BE49-F238E27FC236}">
-                <a16:creationId xmlns:a16="http://schemas.microsoft.com/office/drawing/2014/main" id="{EE4C7E2A-37F8-F72E-D995-263211038345}"/>
-              </a:ext>
-            </a:extLst>
-          </p:cNvPr>
+          <p:cNvPr id="2" name="Title 1"/>
           <p:cNvSpPr>
             <a:spLocks noGrp="1"/>
           </p:cNvSpPr>
@@ -147,15 +141,15 @@
         </p:nvSpPr>
         <p:spPr>
           <a:xfrm>
-            <a:off x="1524000" y="1122363"/>
-            <a:ext cx="9144000" cy="2387600"/>
+            <a:off x="1349971" y="1122363"/>
+            <a:ext cx="8099822" cy="2387600"/>
           </a:xfrm>
         </p:spPr>
         <p:txBody>
           <a:bodyPr anchor="b"/>
           <a:lstStyle>
             <a:lvl1pPr algn="ctr">
-              <a:defRPr sz="6000"/>
+              <a:defRPr sz="5315"/>
             </a:lvl1pPr>
           </a:lstStyle>
           <a:p>
@@ -163,19 +157,13 @@
               <a:rPr lang="de-DE"/>
               <a:t>Mastertitelformat bearbeiten</a:t>
             </a:r>
-            <a:endParaRPr lang="en-CA"/>
-          </a:p>
-        </p:txBody>
-      </p:sp>
-      <p:sp>
-        <p:nvSpPr>
-          <p:cNvPr id="3" name="Untertitel 2">
-            <a:extLst>
-              <a:ext uri="{FF2B5EF4-FFF2-40B4-BE49-F238E27FC236}">
-                <a16:creationId xmlns:a16="http://schemas.microsoft.com/office/drawing/2014/main" id="{BA0A9DEB-5B55-26D0-0AB7-7E68ED8FEBD0}"/>
-              </a:ext>
-            </a:extLst>
-          </p:cNvPr>
+            <a:endParaRPr lang="en-US" dirty="0"/>
+          </a:p>
+        </p:txBody>
+      </p:sp>
+      <p:sp>
+        <p:nvSpPr>
+          <p:cNvPr id="3" name="Subtitle 2"/>
           <p:cNvSpPr>
             <a:spLocks noGrp="1"/>
           </p:cNvSpPr>
@@ -185,8 +173,8 @@
         </p:nvSpPr>
         <p:spPr>
           <a:xfrm>
-            <a:off x="1524000" y="3602038"/>
-            <a:ext cx="9144000" cy="1655762"/>
+            <a:off x="1349971" y="3602038"/>
+            <a:ext cx="8099822" cy="1655762"/>
           </a:xfrm>
         </p:spPr>
         <p:txBody>
@@ -194,39 +182,39 @@
           <a:lstStyle>
             <a:lvl1pPr marL="0" indent="0" algn="ctr">
               <a:buNone/>
-              <a:defRPr sz="2400"/>
+              <a:defRPr sz="2126"/>
             </a:lvl1pPr>
-            <a:lvl2pPr marL="457200" indent="0" algn="ctr">
-              <a:buNone/>
-              <a:defRPr sz="2000"/>
+            <a:lvl2pPr marL="404988" indent="0" algn="ctr">
+              <a:buNone/>
+              <a:defRPr sz="1772"/>
             </a:lvl2pPr>
-            <a:lvl3pPr marL="914400" indent="0" algn="ctr">
-              <a:buNone/>
-              <a:defRPr sz="1800"/>
+            <a:lvl3pPr marL="809976" indent="0" algn="ctr">
+              <a:buNone/>
+              <a:defRPr sz="1594"/>
             </a:lvl3pPr>
-            <a:lvl4pPr marL="1371600" indent="0" algn="ctr">
-              <a:buNone/>
-              <a:defRPr sz="1600"/>
+            <a:lvl4pPr marL="1214963" indent="0" algn="ctr">
+              <a:buNone/>
+              <a:defRPr sz="1417"/>
             </a:lvl4pPr>
-            <a:lvl5pPr marL="1828800" indent="0" algn="ctr">
-              <a:buNone/>
-              <a:defRPr sz="1600"/>
+            <a:lvl5pPr marL="1619951" indent="0" algn="ctr">
+              <a:buNone/>
+              <a:defRPr sz="1417"/>
             </a:lvl5pPr>
-            <a:lvl6pPr marL="2286000" indent="0" algn="ctr">
-              <a:buNone/>
-              <a:defRPr sz="1600"/>
+            <a:lvl6pPr marL="2024939" indent="0" algn="ctr">
+              <a:buNone/>
+              <a:defRPr sz="1417"/>
             </a:lvl6pPr>
-            <a:lvl7pPr marL="2743200" indent="0" algn="ctr">
-              <a:buNone/>
-              <a:defRPr sz="1600"/>
+            <a:lvl7pPr marL="2429927" indent="0" algn="ctr">
+              <a:buNone/>
+              <a:defRPr sz="1417"/>
             </a:lvl7pPr>
-            <a:lvl8pPr marL="3200400" indent="0" algn="ctr">
-              <a:buNone/>
-              <a:defRPr sz="1600"/>
+            <a:lvl8pPr marL="2834914" indent="0" algn="ctr">
+              <a:buNone/>
+              <a:defRPr sz="1417"/>
             </a:lvl8pPr>
-            <a:lvl9pPr marL="3657600" indent="0" algn="ctr">
-              <a:buNone/>
-              <a:defRPr sz="1600"/>
+            <a:lvl9pPr marL="3239902" indent="0" algn="ctr">
+              <a:buNone/>
+              <a:defRPr sz="1417"/>
             </a:lvl9pPr>
           </a:lstStyle>
           <a:p>
@@ -234,19 +222,13 @@
               <a:rPr lang="de-DE"/>
               <a:t>Master-Untertitelformat bearbeiten</a:t>
             </a:r>
-            <a:endParaRPr lang="en-CA"/>
-          </a:p>
-        </p:txBody>
-      </p:sp>
-      <p:sp>
-        <p:nvSpPr>
-          <p:cNvPr id="4" name="Datumsplatzhalter 3">
-            <a:extLst>
-              <a:ext uri="{FF2B5EF4-FFF2-40B4-BE49-F238E27FC236}">
-                <a16:creationId xmlns:a16="http://schemas.microsoft.com/office/drawing/2014/main" id="{A39DF5D8-7B6E-A190-0D4E-6C61D24582AA}"/>
-              </a:ext>
-            </a:extLst>
-          </p:cNvPr>
+            <a:endParaRPr lang="en-US" dirty="0"/>
+          </a:p>
+        </p:txBody>
+      </p:sp>
+      <p:sp>
+        <p:nvSpPr>
+          <p:cNvPr id="4" name="Date Placeholder 3"/>
           <p:cNvSpPr>
             <a:spLocks noGrp="1"/>
           </p:cNvSpPr>
@@ -261,7 +243,7 @@
           <a:p>
             <a:fld id="{92E621AC-1D83-4E87-98E1-BC32AC5CC9D3}" type="datetimeFigureOut">
               <a:rPr lang="en-CA" smtClean="0"/>
-              <a:t>2024-07-30</a:t>
+              <a:t>2025-05-10</a:t>
             </a:fld>
             <a:endParaRPr lang="en-CA"/>
           </a:p>
@@ -269,13 +251,7 @@
       </p:sp>
       <p:sp>
         <p:nvSpPr>
-          <p:cNvPr id="5" name="Fußzeilenplatzhalter 4">
-            <a:extLst>
-              <a:ext uri="{FF2B5EF4-FFF2-40B4-BE49-F238E27FC236}">
-                <a16:creationId xmlns:a16="http://schemas.microsoft.com/office/drawing/2014/main" id="{9FB4CEEA-5385-1C93-693B-0A1F63486475}"/>
-              </a:ext>
-            </a:extLst>
-          </p:cNvPr>
+          <p:cNvPr id="5" name="Footer Placeholder 4"/>
           <p:cNvSpPr>
             <a:spLocks noGrp="1"/>
           </p:cNvSpPr>
@@ -294,13 +270,7 @@
       </p:sp>
       <p:sp>
         <p:nvSpPr>
-          <p:cNvPr id="6" name="Foliennummernplatzhalter 5">
-            <a:extLst>
-              <a:ext uri="{FF2B5EF4-FFF2-40B4-BE49-F238E27FC236}">
-                <a16:creationId xmlns:a16="http://schemas.microsoft.com/office/drawing/2014/main" id="{F8A03481-E7CA-E099-DCDD-53DF8028ECAC}"/>
-              </a:ext>
-            </a:extLst>
-          </p:cNvPr>
+          <p:cNvPr id="6" name="Slide Number Placeholder 5"/>
           <p:cNvSpPr>
             <a:spLocks noGrp="1"/>
           </p:cNvSpPr>
@@ -324,7 +294,7 @@
     </p:spTree>
     <p:extLst>
       <p:ext uri="{BB962C8B-B14F-4D97-AF65-F5344CB8AC3E}">
-        <p14:creationId xmlns:p14="http://schemas.microsoft.com/office/powerpoint/2010/main" val="3023535411"/>
+        <p14:creationId xmlns:p14="http://schemas.microsoft.com/office/powerpoint/2010/main" val="2081600616"/>
       </p:ext>
     </p:extLst>
   </p:cSld>
@@ -353,13 +323,7 @@
       </p:grpSpPr>
       <p:sp>
         <p:nvSpPr>
-          <p:cNvPr id="2" name="Titel 1">
-            <a:extLst>
-              <a:ext uri="{FF2B5EF4-FFF2-40B4-BE49-F238E27FC236}">
-                <a16:creationId xmlns:a16="http://schemas.microsoft.com/office/drawing/2014/main" id="{152D350B-0EFF-1ADE-A2B7-C878640755C8}"/>
-              </a:ext>
-            </a:extLst>
-          </p:cNvPr>
+          <p:cNvPr id="2" name="Title 1"/>
           <p:cNvSpPr>
             <a:spLocks noGrp="1"/>
           </p:cNvSpPr>
@@ -376,19 +340,13 @@
               <a:rPr lang="de-DE"/>
               <a:t>Mastertitelformat bearbeiten</a:t>
             </a:r>
-            <a:endParaRPr lang="en-CA"/>
-          </a:p>
-        </p:txBody>
-      </p:sp>
-      <p:sp>
-        <p:nvSpPr>
-          <p:cNvPr id="3" name="Vertikaler Textplatzhalter 2">
-            <a:extLst>
-              <a:ext uri="{FF2B5EF4-FFF2-40B4-BE49-F238E27FC236}">
-                <a16:creationId xmlns:a16="http://schemas.microsoft.com/office/drawing/2014/main" id="{418CF912-11EA-5D36-F3E9-8B966E873389}"/>
-              </a:ext>
-            </a:extLst>
-          </p:cNvPr>
+            <a:endParaRPr lang="en-US" dirty="0"/>
+          </a:p>
+        </p:txBody>
+      </p:sp>
+      <p:sp>
+        <p:nvSpPr>
+          <p:cNvPr id="3" name="Vertical Text Placeholder 2"/>
           <p:cNvSpPr>
             <a:spLocks noGrp="1"/>
           </p:cNvSpPr>
@@ -434,19 +392,13 @@
               <a:rPr lang="de-DE"/>
               <a:t>Fünfte Ebene</a:t>
             </a:r>
-            <a:endParaRPr lang="en-CA"/>
-          </a:p>
-        </p:txBody>
-      </p:sp>
-      <p:sp>
-        <p:nvSpPr>
-          <p:cNvPr id="4" name="Datumsplatzhalter 3">
-            <a:extLst>
-              <a:ext uri="{FF2B5EF4-FFF2-40B4-BE49-F238E27FC236}">
-                <a16:creationId xmlns:a16="http://schemas.microsoft.com/office/drawing/2014/main" id="{556965B7-7739-5BA8-B7E0-5A343E7948F2}"/>
-              </a:ext>
-            </a:extLst>
-          </p:cNvPr>
+            <a:endParaRPr lang="en-US" dirty="0"/>
+          </a:p>
+        </p:txBody>
+      </p:sp>
+      <p:sp>
+        <p:nvSpPr>
+          <p:cNvPr id="4" name="Date Placeholder 3"/>
           <p:cNvSpPr>
             <a:spLocks noGrp="1"/>
           </p:cNvSpPr>
@@ -461,7 +413,7 @@
           <a:p>
             <a:fld id="{92E621AC-1D83-4E87-98E1-BC32AC5CC9D3}" type="datetimeFigureOut">
               <a:rPr lang="en-CA" smtClean="0"/>
-              <a:t>2024-07-30</a:t>
+              <a:t>2025-05-10</a:t>
             </a:fld>
             <a:endParaRPr lang="en-CA"/>
           </a:p>
@@ -469,13 +421,7 @@
       </p:sp>
       <p:sp>
         <p:nvSpPr>
-          <p:cNvPr id="5" name="Fußzeilenplatzhalter 4">
-            <a:extLst>
-              <a:ext uri="{FF2B5EF4-FFF2-40B4-BE49-F238E27FC236}">
-                <a16:creationId xmlns:a16="http://schemas.microsoft.com/office/drawing/2014/main" id="{9AF38025-E9F4-B114-E956-B361DC3CFE40}"/>
-              </a:ext>
-            </a:extLst>
-          </p:cNvPr>
+          <p:cNvPr id="5" name="Footer Placeholder 4"/>
           <p:cNvSpPr>
             <a:spLocks noGrp="1"/>
           </p:cNvSpPr>
@@ -494,13 +440,7 @@
       </p:sp>
       <p:sp>
         <p:nvSpPr>
-          <p:cNvPr id="6" name="Foliennummernplatzhalter 5">
-            <a:extLst>
-              <a:ext uri="{FF2B5EF4-FFF2-40B4-BE49-F238E27FC236}">
-                <a16:creationId xmlns:a16="http://schemas.microsoft.com/office/drawing/2014/main" id="{43880E56-1B74-DC74-1394-C95A9F51140F}"/>
-              </a:ext>
-            </a:extLst>
-          </p:cNvPr>
+          <p:cNvPr id="6" name="Slide Number Placeholder 5"/>
           <p:cNvSpPr>
             <a:spLocks noGrp="1"/>
           </p:cNvSpPr>
@@ -524,7 +464,7 @@
     </p:spTree>
     <p:extLst>
       <p:ext uri="{BB962C8B-B14F-4D97-AF65-F5344CB8AC3E}">
-        <p14:creationId xmlns:p14="http://schemas.microsoft.com/office/powerpoint/2010/main" val="391354264"/>
+        <p14:creationId xmlns:p14="http://schemas.microsoft.com/office/powerpoint/2010/main" val="226199052"/>
       </p:ext>
     </p:extLst>
   </p:cSld>
@@ -553,13 +493,7 @@
       </p:grpSpPr>
       <p:sp>
         <p:nvSpPr>
-          <p:cNvPr id="2" name="Vertikaler Titel 1">
-            <a:extLst>
-              <a:ext uri="{FF2B5EF4-FFF2-40B4-BE49-F238E27FC236}">
-                <a16:creationId xmlns:a16="http://schemas.microsoft.com/office/drawing/2014/main" id="{2964232C-ECA9-9693-8049-13C676569752}"/>
-              </a:ext>
-            </a:extLst>
-          </p:cNvPr>
+          <p:cNvPr id="2" name="Vertical Title 1"/>
           <p:cNvSpPr>
             <a:spLocks noGrp="1"/>
           </p:cNvSpPr>
@@ -569,8 +503,8 @@
         </p:nvSpPr>
         <p:spPr>
           <a:xfrm>
-            <a:off x="8724900" y="365125"/>
-            <a:ext cx="2628900" cy="5811838"/>
+            <a:off x="7728580" y="365125"/>
+            <a:ext cx="2328699" cy="5811838"/>
           </a:xfrm>
         </p:spPr>
         <p:txBody>
@@ -581,19 +515,13 @@
               <a:rPr lang="de-DE"/>
               <a:t>Mastertitelformat bearbeiten</a:t>
             </a:r>
-            <a:endParaRPr lang="en-CA"/>
-          </a:p>
-        </p:txBody>
-      </p:sp>
-      <p:sp>
-        <p:nvSpPr>
-          <p:cNvPr id="3" name="Vertikaler Textplatzhalter 2">
-            <a:extLst>
-              <a:ext uri="{FF2B5EF4-FFF2-40B4-BE49-F238E27FC236}">
-                <a16:creationId xmlns:a16="http://schemas.microsoft.com/office/drawing/2014/main" id="{E1FC4114-D2E2-92B3-4637-4DF8E1D512E1}"/>
-              </a:ext>
-            </a:extLst>
-          </p:cNvPr>
+            <a:endParaRPr lang="en-US" dirty="0"/>
+          </a:p>
+        </p:txBody>
+      </p:sp>
+      <p:sp>
+        <p:nvSpPr>
+          <p:cNvPr id="3" name="Vertical Text Placeholder 2"/>
           <p:cNvSpPr>
             <a:spLocks noGrp="1"/>
           </p:cNvSpPr>
@@ -603,8 +531,8 @@
         </p:nvSpPr>
         <p:spPr>
           <a:xfrm>
-            <a:off x="838200" y="365125"/>
-            <a:ext cx="7734300" cy="5811838"/>
+            <a:off x="742484" y="365125"/>
+            <a:ext cx="6851100" cy="5811838"/>
           </a:xfrm>
         </p:spPr>
         <p:txBody>
@@ -644,19 +572,13 @@
               <a:rPr lang="de-DE"/>
               <a:t>Fünfte Ebene</a:t>
             </a:r>
-            <a:endParaRPr lang="en-CA"/>
-          </a:p>
-        </p:txBody>
-      </p:sp>
-      <p:sp>
-        <p:nvSpPr>
-          <p:cNvPr id="4" name="Datumsplatzhalter 3">
-            <a:extLst>
-              <a:ext uri="{FF2B5EF4-FFF2-40B4-BE49-F238E27FC236}">
-                <a16:creationId xmlns:a16="http://schemas.microsoft.com/office/drawing/2014/main" id="{81526412-42CF-110D-0DE0-94CB378C2D8B}"/>
-              </a:ext>
-            </a:extLst>
-          </p:cNvPr>
+            <a:endParaRPr lang="en-US" dirty="0"/>
+          </a:p>
+        </p:txBody>
+      </p:sp>
+      <p:sp>
+        <p:nvSpPr>
+          <p:cNvPr id="4" name="Date Placeholder 3"/>
           <p:cNvSpPr>
             <a:spLocks noGrp="1"/>
           </p:cNvSpPr>
@@ -671,7 +593,7 @@
           <a:p>
             <a:fld id="{92E621AC-1D83-4E87-98E1-BC32AC5CC9D3}" type="datetimeFigureOut">
               <a:rPr lang="en-CA" smtClean="0"/>
-              <a:t>2024-07-30</a:t>
+              <a:t>2025-05-10</a:t>
             </a:fld>
             <a:endParaRPr lang="en-CA"/>
           </a:p>
@@ -679,13 +601,7 @@
       </p:sp>
       <p:sp>
         <p:nvSpPr>
-          <p:cNvPr id="5" name="Fußzeilenplatzhalter 4">
-            <a:extLst>
-              <a:ext uri="{FF2B5EF4-FFF2-40B4-BE49-F238E27FC236}">
-                <a16:creationId xmlns:a16="http://schemas.microsoft.com/office/drawing/2014/main" id="{0E9B4883-1689-9978-28F8-9CD4D2CBAAE9}"/>
-              </a:ext>
-            </a:extLst>
-          </p:cNvPr>
+          <p:cNvPr id="5" name="Footer Placeholder 4"/>
           <p:cNvSpPr>
             <a:spLocks noGrp="1"/>
           </p:cNvSpPr>
@@ -704,13 +620,7 @@
       </p:sp>
       <p:sp>
         <p:nvSpPr>
-          <p:cNvPr id="6" name="Foliennummernplatzhalter 5">
-            <a:extLst>
-              <a:ext uri="{FF2B5EF4-FFF2-40B4-BE49-F238E27FC236}">
-                <a16:creationId xmlns:a16="http://schemas.microsoft.com/office/drawing/2014/main" id="{128E3A5C-634D-1872-6661-CECD27B59C0D}"/>
-              </a:ext>
-            </a:extLst>
-          </p:cNvPr>
+          <p:cNvPr id="6" name="Slide Number Placeholder 5"/>
           <p:cNvSpPr>
             <a:spLocks noGrp="1"/>
           </p:cNvSpPr>
@@ -734,7 +644,7 @@
     </p:spTree>
     <p:extLst>
       <p:ext uri="{BB962C8B-B14F-4D97-AF65-F5344CB8AC3E}">
-        <p14:creationId xmlns:p14="http://schemas.microsoft.com/office/powerpoint/2010/main" val="2161447110"/>
+        <p14:creationId xmlns:p14="http://schemas.microsoft.com/office/powerpoint/2010/main" val="4073714194"/>
       </p:ext>
     </p:extLst>
   </p:cSld>
@@ -763,13 +673,7 @@
       </p:grpSpPr>
       <p:sp>
         <p:nvSpPr>
-          <p:cNvPr id="2" name="Titel 1">
-            <a:extLst>
-              <a:ext uri="{FF2B5EF4-FFF2-40B4-BE49-F238E27FC236}">
-                <a16:creationId xmlns:a16="http://schemas.microsoft.com/office/drawing/2014/main" id="{4DCEE471-3027-3294-A25C-CF871D9C1B7D}"/>
-              </a:ext>
-            </a:extLst>
-          </p:cNvPr>
+          <p:cNvPr id="2" name="Title 1"/>
           <p:cNvSpPr>
             <a:spLocks noGrp="1"/>
           </p:cNvSpPr>
@@ -786,19 +690,13 @@
               <a:rPr lang="de-DE"/>
               <a:t>Mastertitelformat bearbeiten</a:t>
             </a:r>
-            <a:endParaRPr lang="en-CA"/>
-          </a:p>
-        </p:txBody>
-      </p:sp>
-      <p:sp>
-        <p:nvSpPr>
-          <p:cNvPr id="3" name="Inhaltsplatzhalter 2">
-            <a:extLst>
-              <a:ext uri="{FF2B5EF4-FFF2-40B4-BE49-F238E27FC236}">
-                <a16:creationId xmlns:a16="http://schemas.microsoft.com/office/drawing/2014/main" id="{168ED744-981A-B602-4374-D922A4D2EBEC}"/>
-              </a:ext>
-            </a:extLst>
-          </p:cNvPr>
+            <a:endParaRPr lang="en-US" dirty="0"/>
+          </a:p>
+        </p:txBody>
+      </p:sp>
+      <p:sp>
+        <p:nvSpPr>
+          <p:cNvPr id="3" name="Content Placeholder 2"/>
           <p:cNvSpPr>
             <a:spLocks noGrp="1"/>
           </p:cNvSpPr>
@@ -844,19 +742,13 @@
               <a:rPr lang="de-DE"/>
               <a:t>Fünfte Ebene</a:t>
             </a:r>
-            <a:endParaRPr lang="en-CA"/>
-          </a:p>
-        </p:txBody>
-      </p:sp>
-      <p:sp>
-        <p:nvSpPr>
-          <p:cNvPr id="4" name="Datumsplatzhalter 3">
-            <a:extLst>
-              <a:ext uri="{FF2B5EF4-FFF2-40B4-BE49-F238E27FC236}">
-                <a16:creationId xmlns:a16="http://schemas.microsoft.com/office/drawing/2014/main" id="{0EEDC4F7-15A2-C06E-E37A-D4D3EF12AADC}"/>
-              </a:ext>
-            </a:extLst>
-          </p:cNvPr>
+            <a:endParaRPr lang="en-US" dirty="0"/>
+          </a:p>
+        </p:txBody>
+      </p:sp>
+      <p:sp>
+        <p:nvSpPr>
+          <p:cNvPr id="4" name="Date Placeholder 3"/>
           <p:cNvSpPr>
             <a:spLocks noGrp="1"/>
           </p:cNvSpPr>
@@ -871,7 +763,7 @@
           <a:p>
             <a:fld id="{92E621AC-1D83-4E87-98E1-BC32AC5CC9D3}" type="datetimeFigureOut">
               <a:rPr lang="en-CA" smtClean="0"/>
-              <a:t>2024-07-30</a:t>
+              <a:t>2025-05-10</a:t>
             </a:fld>
             <a:endParaRPr lang="en-CA"/>
           </a:p>
@@ -879,13 +771,7 @@
       </p:sp>
       <p:sp>
         <p:nvSpPr>
-          <p:cNvPr id="5" name="Fußzeilenplatzhalter 4">
-            <a:extLst>
-              <a:ext uri="{FF2B5EF4-FFF2-40B4-BE49-F238E27FC236}">
-                <a16:creationId xmlns:a16="http://schemas.microsoft.com/office/drawing/2014/main" id="{028CBB94-8DFF-9805-D990-667419EC02C5}"/>
-              </a:ext>
-            </a:extLst>
-          </p:cNvPr>
+          <p:cNvPr id="5" name="Footer Placeholder 4"/>
           <p:cNvSpPr>
             <a:spLocks noGrp="1"/>
           </p:cNvSpPr>
@@ -904,13 +790,7 @@
       </p:sp>
       <p:sp>
         <p:nvSpPr>
-          <p:cNvPr id="6" name="Foliennummernplatzhalter 5">
-            <a:extLst>
-              <a:ext uri="{FF2B5EF4-FFF2-40B4-BE49-F238E27FC236}">
-                <a16:creationId xmlns:a16="http://schemas.microsoft.com/office/drawing/2014/main" id="{865B1E57-765E-9E77-A660-8DE16802841F}"/>
-              </a:ext>
-            </a:extLst>
-          </p:cNvPr>
+          <p:cNvPr id="6" name="Slide Number Placeholder 5"/>
           <p:cNvSpPr>
             <a:spLocks noGrp="1"/>
           </p:cNvSpPr>
@@ -934,7 +814,7 @@
     </p:spTree>
     <p:extLst>
       <p:ext uri="{BB962C8B-B14F-4D97-AF65-F5344CB8AC3E}">
-        <p14:creationId xmlns:p14="http://schemas.microsoft.com/office/powerpoint/2010/main" val="3069040707"/>
+        <p14:creationId xmlns:p14="http://schemas.microsoft.com/office/powerpoint/2010/main" val="624461168"/>
       </p:ext>
     </p:extLst>
   </p:cSld>
@@ -963,13 +843,7 @@
       </p:grpSpPr>
       <p:sp>
         <p:nvSpPr>
-          <p:cNvPr id="2" name="Titel 1">
-            <a:extLst>
-              <a:ext uri="{FF2B5EF4-FFF2-40B4-BE49-F238E27FC236}">
-                <a16:creationId xmlns:a16="http://schemas.microsoft.com/office/drawing/2014/main" id="{3DC3E5D7-A732-BDAE-2152-C68408FD38C9}"/>
-              </a:ext>
-            </a:extLst>
-          </p:cNvPr>
+          <p:cNvPr id="2" name="Title 1"/>
           <p:cNvSpPr>
             <a:spLocks noGrp="1"/>
           </p:cNvSpPr>
@@ -979,15 +853,15 @@
         </p:nvSpPr>
         <p:spPr>
           <a:xfrm>
-            <a:off x="831850" y="1709738"/>
-            <a:ext cx="10515600" cy="2852737"/>
+            <a:off x="736859" y="1709739"/>
+            <a:ext cx="9314796" cy="2852737"/>
           </a:xfrm>
         </p:spPr>
         <p:txBody>
           <a:bodyPr anchor="b"/>
           <a:lstStyle>
             <a:lvl1pPr>
-              <a:defRPr sz="6000"/>
+              <a:defRPr sz="5315"/>
             </a:lvl1pPr>
           </a:lstStyle>
           <a:p>
@@ -995,19 +869,13 @@
               <a:rPr lang="de-DE"/>
               <a:t>Mastertitelformat bearbeiten</a:t>
             </a:r>
-            <a:endParaRPr lang="en-CA"/>
-          </a:p>
-        </p:txBody>
-      </p:sp>
-      <p:sp>
-        <p:nvSpPr>
-          <p:cNvPr id="3" name="Textplatzhalter 2">
-            <a:extLst>
-              <a:ext uri="{FF2B5EF4-FFF2-40B4-BE49-F238E27FC236}">
-                <a16:creationId xmlns:a16="http://schemas.microsoft.com/office/drawing/2014/main" id="{046FAD5F-DF0B-BE3D-BDEF-0C3FF4A9807F}"/>
-              </a:ext>
-            </a:extLst>
-          </p:cNvPr>
+            <a:endParaRPr lang="en-US" dirty="0"/>
+          </a:p>
+        </p:txBody>
+      </p:sp>
+      <p:sp>
+        <p:nvSpPr>
+          <p:cNvPr id="3" name="Text Placeholder 2"/>
           <p:cNvSpPr>
             <a:spLocks noGrp="1"/>
           </p:cNvSpPr>
@@ -1017,8 +885,8 @@
         </p:nvSpPr>
         <p:spPr>
           <a:xfrm>
-            <a:off x="831850" y="4589463"/>
-            <a:ext cx="10515600" cy="1500187"/>
+            <a:off x="736859" y="4589464"/>
+            <a:ext cx="9314796" cy="1500187"/>
           </a:xfrm>
         </p:spPr>
         <p:txBody>
@@ -1026,7 +894,7 @@
           <a:lstStyle>
             <a:lvl1pPr marL="0" indent="0">
               <a:buNone/>
-              <a:defRPr sz="2400">
+              <a:defRPr sz="2126">
                 <a:solidFill>
                   <a:schemeClr val="tx1">
                     <a:tint val="75000"/>
@@ -1034,9 +902,9 @@
                 </a:solidFill>
               </a:defRPr>
             </a:lvl1pPr>
-            <a:lvl2pPr marL="457200" indent="0">
-              <a:buNone/>
-              <a:defRPr sz="2000">
+            <a:lvl2pPr marL="404988" indent="0">
+              <a:buNone/>
+              <a:defRPr sz="1772">
                 <a:solidFill>
                   <a:schemeClr val="tx1">
                     <a:tint val="75000"/>
@@ -1044,9 +912,9 @@
                 </a:solidFill>
               </a:defRPr>
             </a:lvl2pPr>
-            <a:lvl3pPr marL="914400" indent="0">
-              <a:buNone/>
-              <a:defRPr sz="1800">
+            <a:lvl3pPr marL="809976" indent="0">
+              <a:buNone/>
+              <a:defRPr sz="1594">
                 <a:solidFill>
                   <a:schemeClr val="tx1">
                     <a:tint val="75000"/>
@@ -1054,9 +922,9 @@
                 </a:solidFill>
               </a:defRPr>
             </a:lvl3pPr>
-            <a:lvl4pPr marL="1371600" indent="0">
-              <a:buNone/>
-              <a:defRPr sz="1600">
+            <a:lvl4pPr marL="1214963" indent="0">
+              <a:buNone/>
+              <a:defRPr sz="1417">
                 <a:solidFill>
                   <a:schemeClr val="tx1">
                     <a:tint val="75000"/>
@@ -1064,9 +932,9 @@
                 </a:solidFill>
               </a:defRPr>
             </a:lvl4pPr>
-            <a:lvl5pPr marL="1828800" indent="0">
-              <a:buNone/>
-              <a:defRPr sz="1600">
+            <a:lvl5pPr marL="1619951" indent="0">
+              <a:buNone/>
+              <a:defRPr sz="1417">
                 <a:solidFill>
                   <a:schemeClr val="tx1">
                     <a:tint val="75000"/>
@@ -1074,9 +942,9 @@
                 </a:solidFill>
               </a:defRPr>
             </a:lvl5pPr>
-            <a:lvl6pPr marL="2286000" indent="0">
-              <a:buNone/>
-              <a:defRPr sz="1600">
+            <a:lvl6pPr marL="2024939" indent="0">
+              <a:buNone/>
+              <a:defRPr sz="1417">
                 <a:solidFill>
                   <a:schemeClr val="tx1">
                     <a:tint val="75000"/>
@@ -1084,9 +952,9 @@
                 </a:solidFill>
               </a:defRPr>
             </a:lvl6pPr>
-            <a:lvl7pPr marL="2743200" indent="0">
-              <a:buNone/>
-              <a:defRPr sz="1600">
+            <a:lvl7pPr marL="2429927" indent="0">
+              <a:buNone/>
+              <a:defRPr sz="1417">
                 <a:solidFill>
                   <a:schemeClr val="tx1">
                     <a:tint val="75000"/>
@@ -1094,9 +962,9 @@
                 </a:solidFill>
               </a:defRPr>
             </a:lvl7pPr>
-            <a:lvl8pPr marL="3200400" indent="0">
-              <a:buNone/>
-              <a:defRPr sz="1600">
+            <a:lvl8pPr marL="2834914" indent="0">
+              <a:buNone/>
+              <a:defRPr sz="1417">
                 <a:solidFill>
                   <a:schemeClr val="tx1">
                     <a:tint val="75000"/>
@@ -1104,9 +972,9 @@
                 </a:solidFill>
               </a:defRPr>
             </a:lvl8pPr>
-            <a:lvl9pPr marL="3657600" indent="0">
-              <a:buNone/>
-              <a:defRPr sz="1600">
+            <a:lvl9pPr marL="3239902" indent="0">
+              <a:buNone/>
+              <a:defRPr sz="1417">
                 <a:solidFill>
                   <a:schemeClr val="tx1">
                     <a:tint val="75000"/>
@@ -1126,13 +994,7 @@
       </p:sp>
       <p:sp>
         <p:nvSpPr>
-          <p:cNvPr id="4" name="Datumsplatzhalter 3">
-            <a:extLst>
-              <a:ext uri="{FF2B5EF4-FFF2-40B4-BE49-F238E27FC236}">
-                <a16:creationId xmlns:a16="http://schemas.microsoft.com/office/drawing/2014/main" id="{ABBCE581-15A9-ACDA-C4C7-1EA7B5A1B7DF}"/>
-              </a:ext>
-            </a:extLst>
-          </p:cNvPr>
+          <p:cNvPr id="4" name="Date Placeholder 3"/>
           <p:cNvSpPr>
             <a:spLocks noGrp="1"/>
           </p:cNvSpPr>
@@ -1147,7 +1009,7 @@
           <a:p>
             <a:fld id="{92E621AC-1D83-4E87-98E1-BC32AC5CC9D3}" type="datetimeFigureOut">
               <a:rPr lang="en-CA" smtClean="0"/>
-              <a:t>2024-07-30</a:t>
+              <a:t>2025-05-10</a:t>
             </a:fld>
             <a:endParaRPr lang="en-CA"/>
           </a:p>
@@ -1155,13 +1017,7 @@
       </p:sp>
       <p:sp>
         <p:nvSpPr>
-          <p:cNvPr id="5" name="Fußzeilenplatzhalter 4">
-            <a:extLst>
-              <a:ext uri="{FF2B5EF4-FFF2-40B4-BE49-F238E27FC236}">
-                <a16:creationId xmlns:a16="http://schemas.microsoft.com/office/drawing/2014/main" id="{F5255167-139B-E85E-E8DF-31E9ADA1788E}"/>
-              </a:ext>
-            </a:extLst>
-          </p:cNvPr>
+          <p:cNvPr id="5" name="Footer Placeholder 4"/>
           <p:cNvSpPr>
             <a:spLocks noGrp="1"/>
           </p:cNvSpPr>
@@ -1180,13 +1036,7 @@
       </p:sp>
       <p:sp>
         <p:nvSpPr>
-          <p:cNvPr id="6" name="Foliennummernplatzhalter 5">
-            <a:extLst>
-              <a:ext uri="{FF2B5EF4-FFF2-40B4-BE49-F238E27FC236}">
-                <a16:creationId xmlns:a16="http://schemas.microsoft.com/office/drawing/2014/main" id="{3D9DA4A5-714D-6C60-84C3-BBF6A0C741F1}"/>
-              </a:ext>
-            </a:extLst>
-          </p:cNvPr>
+          <p:cNvPr id="6" name="Slide Number Placeholder 5"/>
           <p:cNvSpPr>
             <a:spLocks noGrp="1"/>
           </p:cNvSpPr>
@@ -1210,7 +1060,7 @@
     </p:spTree>
     <p:extLst>
       <p:ext uri="{BB962C8B-B14F-4D97-AF65-F5344CB8AC3E}">
-        <p14:creationId xmlns:p14="http://schemas.microsoft.com/office/powerpoint/2010/main" val="2050225877"/>
+        <p14:creationId xmlns:p14="http://schemas.microsoft.com/office/powerpoint/2010/main" val="1256438657"/>
       </p:ext>
     </p:extLst>
   </p:cSld>
@@ -1239,13 +1089,7 @@
       </p:grpSpPr>
       <p:sp>
         <p:nvSpPr>
-          <p:cNvPr id="2" name="Titel 1">
-            <a:extLst>
-              <a:ext uri="{FF2B5EF4-FFF2-40B4-BE49-F238E27FC236}">
-                <a16:creationId xmlns:a16="http://schemas.microsoft.com/office/drawing/2014/main" id="{E606AD13-5728-D206-779C-F1BFB28B0663}"/>
-              </a:ext>
-            </a:extLst>
-          </p:cNvPr>
+          <p:cNvPr id="2" name="Title 1"/>
           <p:cNvSpPr>
             <a:spLocks noGrp="1"/>
           </p:cNvSpPr>
@@ -1262,19 +1106,13 @@
               <a:rPr lang="de-DE"/>
               <a:t>Mastertitelformat bearbeiten</a:t>
             </a:r>
-            <a:endParaRPr lang="en-CA"/>
-          </a:p>
-        </p:txBody>
-      </p:sp>
-      <p:sp>
-        <p:nvSpPr>
-          <p:cNvPr id="3" name="Inhaltsplatzhalter 2">
-            <a:extLst>
-              <a:ext uri="{FF2B5EF4-FFF2-40B4-BE49-F238E27FC236}">
-                <a16:creationId xmlns:a16="http://schemas.microsoft.com/office/drawing/2014/main" id="{97E5BABC-1120-34BD-0F32-7AF038440F62}"/>
-              </a:ext>
-            </a:extLst>
-          </p:cNvPr>
+            <a:endParaRPr lang="en-US" dirty="0"/>
+          </a:p>
+        </p:txBody>
+      </p:sp>
+      <p:sp>
+        <p:nvSpPr>
+          <p:cNvPr id="3" name="Content Placeholder 2"/>
           <p:cNvSpPr>
             <a:spLocks noGrp="1"/>
           </p:cNvSpPr>
@@ -1284,8 +1122,8 @@
         </p:nvSpPr>
         <p:spPr>
           <a:xfrm>
-            <a:off x="838200" y="1825625"/>
-            <a:ext cx="5181600" cy="4351338"/>
+            <a:off x="742484" y="1825625"/>
+            <a:ext cx="4589899" cy="4351338"/>
           </a:xfrm>
         </p:spPr>
         <p:txBody>
@@ -1325,19 +1163,13 @@
               <a:rPr lang="de-DE"/>
               <a:t>Fünfte Ebene</a:t>
             </a:r>
-            <a:endParaRPr lang="en-CA"/>
-          </a:p>
-        </p:txBody>
-      </p:sp>
-      <p:sp>
-        <p:nvSpPr>
-          <p:cNvPr id="4" name="Inhaltsplatzhalter 3">
-            <a:extLst>
-              <a:ext uri="{FF2B5EF4-FFF2-40B4-BE49-F238E27FC236}">
-                <a16:creationId xmlns:a16="http://schemas.microsoft.com/office/drawing/2014/main" id="{22F618B8-18F0-5947-870A-52A581078562}"/>
-              </a:ext>
-            </a:extLst>
-          </p:cNvPr>
+            <a:endParaRPr lang="en-US" dirty="0"/>
+          </a:p>
+        </p:txBody>
+      </p:sp>
+      <p:sp>
+        <p:nvSpPr>
+          <p:cNvPr id="4" name="Content Placeholder 3"/>
           <p:cNvSpPr>
             <a:spLocks noGrp="1"/>
           </p:cNvSpPr>
@@ -1347,8 +1179,8 @@
         </p:nvSpPr>
         <p:spPr>
           <a:xfrm>
-            <a:off x="6172200" y="1825625"/>
-            <a:ext cx="5181600" cy="4351338"/>
+            <a:off x="5467380" y="1825625"/>
+            <a:ext cx="4589899" cy="4351338"/>
           </a:xfrm>
         </p:spPr>
         <p:txBody>
@@ -1388,19 +1220,13 @@
               <a:rPr lang="de-DE"/>
               <a:t>Fünfte Ebene</a:t>
             </a:r>
-            <a:endParaRPr lang="en-CA"/>
-          </a:p>
-        </p:txBody>
-      </p:sp>
-      <p:sp>
-        <p:nvSpPr>
-          <p:cNvPr id="5" name="Datumsplatzhalter 4">
-            <a:extLst>
-              <a:ext uri="{FF2B5EF4-FFF2-40B4-BE49-F238E27FC236}">
-                <a16:creationId xmlns:a16="http://schemas.microsoft.com/office/drawing/2014/main" id="{B962C470-C83C-3092-ADF3-D818CC8916DC}"/>
-              </a:ext>
-            </a:extLst>
-          </p:cNvPr>
+            <a:endParaRPr lang="en-US" dirty="0"/>
+          </a:p>
+        </p:txBody>
+      </p:sp>
+      <p:sp>
+        <p:nvSpPr>
+          <p:cNvPr id="5" name="Date Placeholder 4"/>
           <p:cNvSpPr>
             <a:spLocks noGrp="1"/>
           </p:cNvSpPr>
@@ -1415,7 +1241,7 @@
           <a:p>
             <a:fld id="{92E621AC-1D83-4E87-98E1-BC32AC5CC9D3}" type="datetimeFigureOut">
               <a:rPr lang="en-CA" smtClean="0"/>
-              <a:t>2024-07-30</a:t>
+              <a:t>2025-05-10</a:t>
             </a:fld>
             <a:endParaRPr lang="en-CA"/>
           </a:p>
@@ -1423,13 +1249,7 @@
       </p:sp>
       <p:sp>
         <p:nvSpPr>
-          <p:cNvPr id="6" name="Fußzeilenplatzhalter 5">
-            <a:extLst>
-              <a:ext uri="{FF2B5EF4-FFF2-40B4-BE49-F238E27FC236}">
-                <a16:creationId xmlns:a16="http://schemas.microsoft.com/office/drawing/2014/main" id="{25AA562C-E79B-4D43-BC77-A588669FA01A}"/>
-              </a:ext>
-            </a:extLst>
-          </p:cNvPr>
+          <p:cNvPr id="6" name="Footer Placeholder 5"/>
           <p:cNvSpPr>
             <a:spLocks noGrp="1"/>
           </p:cNvSpPr>
@@ -1448,13 +1268,7 @@
       </p:sp>
       <p:sp>
         <p:nvSpPr>
-          <p:cNvPr id="7" name="Foliennummernplatzhalter 6">
-            <a:extLst>
-              <a:ext uri="{FF2B5EF4-FFF2-40B4-BE49-F238E27FC236}">
-                <a16:creationId xmlns:a16="http://schemas.microsoft.com/office/drawing/2014/main" id="{1DA8C8E0-CDE4-5383-4B1D-FF554DDB2E7B}"/>
-              </a:ext>
-            </a:extLst>
-          </p:cNvPr>
+          <p:cNvPr id="7" name="Slide Number Placeholder 6"/>
           <p:cNvSpPr>
             <a:spLocks noGrp="1"/>
           </p:cNvSpPr>
@@ -1478,7 +1292,7 @@
     </p:spTree>
     <p:extLst>
       <p:ext uri="{BB962C8B-B14F-4D97-AF65-F5344CB8AC3E}">
-        <p14:creationId xmlns:p14="http://schemas.microsoft.com/office/powerpoint/2010/main" val="3017960826"/>
+        <p14:creationId xmlns:p14="http://schemas.microsoft.com/office/powerpoint/2010/main" val="1782363835"/>
       </p:ext>
     </p:extLst>
   </p:cSld>
@@ -1507,13 +1321,7 @@
       </p:grpSpPr>
       <p:sp>
         <p:nvSpPr>
-          <p:cNvPr id="2" name="Titel 1">
-            <a:extLst>
-              <a:ext uri="{FF2B5EF4-FFF2-40B4-BE49-F238E27FC236}">
-                <a16:creationId xmlns:a16="http://schemas.microsoft.com/office/drawing/2014/main" id="{082CB9F1-9198-7873-FD78-A105C2036075}"/>
-              </a:ext>
-            </a:extLst>
-          </p:cNvPr>
+          <p:cNvPr id="2" name="Title 1"/>
           <p:cNvSpPr>
             <a:spLocks noGrp="1"/>
           </p:cNvSpPr>
@@ -1523,8 +1331,8 @@
         </p:nvSpPr>
         <p:spPr>
           <a:xfrm>
-            <a:off x="839788" y="365125"/>
-            <a:ext cx="10515600" cy="1325563"/>
+            <a:off x="743890" y="365126"/>
+            <a:ext cx="9314796" cy="1325563"/>
           </a:xfrm>
         </p:spPr>
         <p:txBody>
@@ -1535,19 +1343,13 @@
               <a:rPr lang="de-DE"/>
               <a:t>Mastertitelformat bearbeiten</a:t>
             </a:r>
-            <a:endParaRPr lang="en-CA"/>
-          </a:p>
-        </p:txBody>
-      </p:sp>
-      <p:sp>
-        <p:nvSpPr>
-          <p:cNvPr id="3" name="Textplatzhalter 2">
-            <a:extLst>
-              <a:ext uri="{FF2B5EF4-FFF2-40B4-BE49-F238E27FC236}">
-                <a16:creationId xmlns:a16="http://schemas.microsoft.com/office/drawing/2014/main" id="{2538E106-C7D6-2524-789A-56860B11A6DC}"/>
-              </a:ext>
-            </a:extLst>
-          </p:cNvPr>
+            <a:endParaRPr lang="en-US" dirty="0"/>
+          </a:p>
+        </p:txBody>
+      </p:sp>
+      <p:sp>
+        <p:nvSpPr>
+          <p:cNvPr id="3" name="Text Placeholder 2"/>
           <p:cNvSpPr>
             <a:spLocks noGrp="1"/>
           </p:cNvSpPr>
@@ -1557,8 +1359,8 @@
         </p:nvSpPr>
         <p:spPr>
           <a:xfrm>
-            <a:off x="839788" y="1681163"/>
-            <a:ext cx="5157787" cy="823912"/>
+            <a:off x="743891" y="1681163"/>
+            <a:ext cx="4568806" cy="823912"/>
           </a:xfrm>
         </p:spPr>
         <p:txBody>
@@ -1566,39 +1368,39 @@
           <a:lstStyle>
             <a:lvl1pPr marL="0" indent="0">
               <a:buNone/>
-              <a:defRPr sz="2400" b="1"/>
+              <a:defRPr sz="2126" b="1"/>
             </a:lvl1pPr>
-            <a:lvl2pPr marL="457200" indent="0">
-              <a:buNone/>
-              <a:defRPr sz="2000" b="1"/>
+            <a:lvl2pPr marL="404988" indent="0">
+              <a:buNone/>
+              <a:defRPr sz="1772" b="1"/>
             </a:lvl2pPr>
-            <a:lvl3pPr marL="914400" indent="0">
-              <a:buNone/>
-              <a:defRPr sz="1800" b="1"/>
+            <a:lvl3pPr marL="809976" indent="0">
+              <a:buNone/>
+              <a:defRPr sz="1594" b="1"/>
             </a:lvl3pPr>
-            <a:lvl4pPr marL="1371600" indent="0">
-              <a:buNone/>
-              <a:defRPr sz="1600" b="1"/>
+            <a:lvl4pPr marL="1214963" indent="0">
+              <a:buNone/>
+              <a:defRPr sz="1417" b="1"/>
             </a:lvl4pPr>
-            <a:lvl5pPr marL="1828800" indent="0">
-              <a:buNone/>
-              <a:defRPr sz="1600" b="1"/>
+            <a:lvl5pPr marL="1619951" indent="0">
+              <a:buNone/>
+              <a:defRPr sz="1417" b="1"/>
             </a:lvl5pPr>
-            <a:lvl6pPr marL="2286000" indent="0">
-              <a:buNone/>
-              <a:defRPr sz="1600" b="1"/>
+            <a:lvl6pPr marL="2024939" indent="0">
+              <a:buNone/>
+              <a:defRPr sz="1417" b="1"/>
             </a:lvl6pPr>
-            <a:lvl7pPr marL="2743200" indent="0">
-              <a:buNone/>
-              <a:defRPr sz="1600" b="1"/>
+            <a:lvl7pPr marL="2429927" indent="0">
+              <a:buNone/>
+              <a:defRPr sz="1417" b="1"/>
             </a:lvl7pPr>
-            <a:lvl8pPr marL="3200400" indent="0">
-              <a:buNone/>
-              <a:defRPr sz="1600" b="1"/>
+            <a:lvl8pPr marL="2834914" indent="0">
+              <a:buNone/>
+              <a:defRPr sz="1417" b="1"/>
             </a:lvl8pPr>
-            <a:lvl9pPr marL="3657600" indent="0">
-              <a:buNone/>
-              <a:defRPr sz="1600" b="1"/>
+            <a:lvl9pPr marL="3239902" indent="0">
+              <a:buNone/>
+              <a:defRPr sz="1417" b="1"/>
             </a:lvl9pPr>
           </a:lstStyle>
           <a:p>
@@ -1612,13 +1414,7 @@
       </p:sp>
       <p:sp>
         <p:nvSpPr>
-          <p:cNvPr id="4" name="Inhaltsplatzhalter 3">
-            <a:extLst>
-              <a:ext uri="{FF2B5EF4-FFF2-40B4-BE49-F238E27FC236}">
-                <a16:creationId xmlns:a16="http://schemas.microsoft.com/office/drawing/2014/main" id="{A6EBBC60-E1B4-ED46-B388-6C1C1ED07DD8}"/>
-              </a:ext>
-            </a:extLst>
-          </p:cNvPr>
+          <p:cNvPr id="4" name="Content Placeholder 3"/>
           <p:cNvSpPr>
             <a:spLocks noGrp="1"/>
           </p:cNvSpPr>
@@ -1628,8 +1424,8 @@
         </p:nvSpPr>
         <p:spPr>
           <a:xfrm>
-            <a:off x="839788" y="2505075"/>
-            <a:ext cx="5157787" cy="3684588"/>
+            <a:off x="743891" y="2505075"/>
+            <a:ext cx="4568806" cy="3684588"/>
           </a:xfrm>
         </p:spPr>
         <p:txBody>
@@ -1669,19 +1465,13 @@
               <a:rPr lang="de-DE"/>
               <a:t>Fünfte Ebene</a:t>
             </a:r>
-            <a:endParaRPr lang="en-CA"/>
-          </a:p>
-        </p:txBody>
-      </p:sp>
-      <p:sp>
-        <p:nvSpPr>
-          <p:cNvPr id="5" name="Textplatzhalter 4">
-            <a:extLst>
-              <a:ext uri="{FF2B5EF4-FFF2-40B4-BE49-F238E27FC236}">
-                <a16:creationId xmlns:a16="http://schemas.microsoft.com/office/drawing/2014/main" id="{78B34496-C7AD-3ADC-D823-49DC3BBE836B}"/>
-              </a:ext>
-            </a:extLst>
-          </p:cNvPr>
+            <a:endParaRPr lang="en-US" dirty="0"/>
+          </a:p>
+        </p:txBody>
+      </p:sp>
+      <p:sp>
+        <p:nvSpPr>
+          <p:cNvPr id="5" name="Text Placeholder 4"/>
           <p:cNvSpPr>
             <a:spLocks noGrp="1"/>
           </p:cNvSpPr>
@@ -1691,8 +1481,8 @@
         </p:nvSpPr>
         <p:spPr>
           <a:xfrm>
-            <a:off x="6172200" y="1681163"/>
-            <a:ext cx="5183188" cy="823912"/>
+            <a:off x="5467380" y="1681163"/>
+            <a:ext cx="4591306" cy="823912"/>
           </a:xfrm>
         </p:spPr>
         <p:txBody>
@@ -1700,39 +1490,39 @@
           <a:lstStyle>
             <a:lvl1pPr marL="0" indent="0">
               <a:buNone/>
-              <a:defRPr sz="2400" b="1"/>
+              <a:defRPr sz="2126" b="1"/>
             </a:lvl1pPr>
-            <a:lvl2pPr marL="457200" indent="0">
-              <a:buNone/>
-              <a:defRPr sz="2000" b="1"/>
+            <a:lvl2pPr marL="404988" indent="0">
+              <a:buNone/>
+              <a:defRPr sz="1772" b="1"/>
             </a:lvl2pPr>
-            <a:lvl3pPr marL="914400" indent="0">
-              <a:buNone/>
-              <a:defRPr sz="1800" b="1"/>
+            <a:lvl3pPr marL="809976" indent="0">
+              <a:buNone/>
+              <a:defRPr sz="1594" b="1"/>
             </a:lvl3pPr>
-            <a:lvl4pPr marL="1371600" indent="0">
-              <a:buNone/>
-              <a:defRPr sz="1600" b="1"/>
+            <a:lvl4pPr marL="1214963" indent="0">
+              <a:buNone/>
+              <a:defRPr sz="1417" b="1"/>
             </a:lvl4pPr>
-            <a:lvl5pPr marL="1828800" indent="0">
-              <a:buNone/>
-              <a:defRPr sz="1600" b="1"/>
+            <a:lvl5pPr marL="1619951" indent="0">
+              <a:buNone/>
+              <a:defRPr sz="1417" b="1"/>
             </a:lvl5pPr>
-            <a:lvl6pPr marL="2286000" indent="0">
-              <a:buNone/>
-              <a:defRPr sz="1600" b="1"/>
+            <a:lvl6pPr marL="2024939" indent="0">
+              <a:buNone/>
+              <a:defRPr sz="1417" b="1"/>
             </a:lvl6pPr>
-            <a:lvl7pPr marL="2743200" indent="0">
-              <a:buNone/>
-              <a:defRPr sz="1600" b="1"/>
+            <a:lvl7pPr marL="2429927" indent="0">
+              <a:buNone/>
+              <a:defRPr sz="1417" b="1"/>
             </a:lvl7pPr>
-            <a:lvl8pPr marL="3200400" indent="0">
-              <a:buNone/>
-              <a:defRPr sz="1600" b="1"/>
+            <a:lvl8pPr marL="2834914" indent="0">
+              <a:buNone/>
+              <a:defRPr sz="1417" b="1"/>
             </a:lvl8pPr>
-            <a:lvl9pPr marL="3657600" indent="0">
-              <a:buNone/>
-              <a:defRPr sz="1600" b="1"/>
+            <a:lvl9pPr marL="3239902" indent="0">
+              <a:buNone/>
+              <a:defRPr sz="1417" b="1"/>
             </a:lvl9pPr>
           </a:lstStyle>
           <a:p>
@@ -1746,13 +1536,7 @@
       </p:sp>
       <p:sp>
         <p:nvSpPr>
-          <p:cNvPr id="6" name="Inhaltsplatzhalter 5">
-            <a:extLst>
-              <a:ext uri="{FF2B5EF4-FFF2-40B4-BE49-F238E27FC236}">
-                <a16:creationId xmlns:a16="http://schemas.microsoft.com/office/drawing/2014/main" id="{487C5DD8-857F-1374-59C3-4A18795DF631}"/>
-              </a:ext>
-            </a:extLst>
-          </p:cNvPr>
+          <p:cNvPr id="6" name="Content Placeholder 5"/>
           <p:cNvSpPr>
             <a:spLocks noGrp="1"/>
           </p:cNvSpPr>
@@ -1762,8 +1546,8 @@
         </p:nvSpPr>
         <p:spPr>
           <a:xfrm>
-            <a:off x="6172200" y="2505075"/>
-            <a:ext cx="5183188" cy="3684588"/>
+            <a:off x="5467380" y="2505075"/>
+            <a:ext cx="4591306" cy="3684588"/>
           </a:xfrm>
         </p:spPr>
         <p:txBody>
@@ -1803,19 +1587,13 @@
               <a:rPr lang="de-DE"/>
               <a:t>Fünfte Ebene</a:t>
             </a:r>
-            <a:endParaRPr lang="en-CA"/>
-          </a:p>
-        </p:txBody>
-      </p:sp>
-      <p:sp>
-        <p:nvSpPr>
-          <p:cNvPr id="7" name="Datumsplatzhalter 6">
-            <a:extLst>
-              <a:ext uri="{FF2B5EF4-FFF2-40B4-BE49-F238E27FC236}">
-                <a16:creationId xmlns:a16="http://schemas.microsoft.com/office/drawing/2014/main" id="{852F0415-261E-577F-C349-F6C899589D7C}"/>
-              </a:ext>
-            </a:extLst>
-          </p:cNvPr>
+            <a:endParaRPr lang="en-US" dirty="0"/>
+          </a:p>
+        </p:txBody>
+      </p:sp>
+      <p:sp>
+        <p:nvSpPr>
+          <p:cNvPr id="7" name="Date Placeholder 6"/>
           <p:cNvSpPr>
             <a:spLocks noGrp="1"/>
           </p:cNvSpPr>
@@ -1830,7 +1608,7 @@
           <a:p>
             <a:fld id="{92E621AC-1D83-4E87-98E1-BC32AC5CC9D3}" type="datetimeFigureOut">
               <a:rPr lang="en-CA" smtClean="0"/>
-              <a:t>2024-07-30</a:t>
+              <a:t>2025-05-10</a:t>
             </a:fld>
             <a:endParaRPr lang="en-CA"/>
           </a:p>
@@ -1838,13 +1616,7 @@
       </p:sp>
       <p:sp>
         <p:nvSpPr>
-          <p:cNvPr id="8" name="Fußzeilenplatzhalter 7">
-            <a:extLst>
-              <a:ext uri="{FF2B5EF4-FFF2-40B4-BE49-F238E27FC236}">
-                <a16:creationId xmlns:a16="http://schemas.microsoft.com/office/drawing/2014/main" id="{4EF98C85-2839-070B-E414-6900E3E6FBB0}"/>
-              </a:ext>
-            </a:extLst>
-          </p:cNvPr>
+          <p:cNvPr id="8" name="Footer Placeholder 7"/>
           <p:cNvSpPr>
             <a:spLocks noGrp="1"/>
           </p:cNvSpPr>
@@ -1863,13 +1635,7 @@
       </p:sp>
       <p:sp>
         <p:nvSpPr>
-          <p:cNvPr id="9" name="Foliennummernplatzhalter 8">
-            <a:extLst>
-              <a:ext uri="{FF2B5EF4-FFF2-40B4-BE49-F238E27FC236}">
-                <a16:creationId xmlns:a16="http://schemas.microsoft.com/office/drawing/2014/main" id="{F8C51772-181F-7384-B77A-8BF8CA8E37A8}"/>
-              </a:ext>
-            </a:extLst>
-          </p:cNvPr>
+          <p:cNvPr id="9" name="Slide Number Placeholder 8"/>
           <p:cNvSpPr>
             <a:spLocks noGrp="1"/>
           </p:cNvSpPr>
@@ -1893,7 +1659,7 @@
     </p:spTree>
     <p:extLst>
       <p:ext uri="{BB962C8B-B14F-4D97-AF65-F5344CB8AC3E}">
-        <p14:creationId xmlns:p14="http://schemas.microsoft.com/office/powerpoint/2010/main" val="468399612"/>
+        <p14:creationId xmlns:p14="http://schemas.microsoft.com/office/powerpoint/2010/main" val="58835027"/>
       </p:ext>
     </p:extLst>
   </p:cSld>
@@ -1922,13 +1688,7 @@
       </p:grpSpPr>
       <p:sp>
         <p:nvSpPr>
-          <p:cNvPr id="2" name="Titel 1">
-            <a:extLst>
-              <a:ext uri="{FF2B5EF4-FFF2-40B4-BE49-F238E27FC236}">
-                <a16:creationId xmlns:a16="http://schemas.microsoft.com/office/drawing/2014/main" id="{7D711177-4807-6C57-2860-12E9231F53EE}"/>
-              </a:ext>
-            </a:extLst>
-          </p:cNvPr>
+          <p:cNvPr id="2" name="Title 1"/>
           <p:cNvSpPr>
             <a:spLocks noGrp="1"/>
           </p:cNvSpPr>
@@ -1945,19 +1705,13 @@
               <a:rPr lang="de-DE"/>
               <a:t>Mastertitelformat bearbeiten</a:t>
             </a:r>
-            <a:endParaRPr lang="en-CA"/>
-          </a:p>
-        </p:txBody>
-      </p:sp>
-      <p:sp>
-        <p:nvSpPr>
-          <p:cNvPr id="3" name="Datumsplatzhalter 2">
-            <a:extLst>
-              <a:ext uri="{FF2B5EF4-FFF2-40B4-BE49-F238E27FC236}">
-                <a16:creationId xmlns:a16="http://schemas.microsoft.com/office/drawing/2014/main" id="{68EBCAD1-5431-6AB6-77E5-68CB40504350}"/>
-              </a:ext>
-            </a:extLst>
-          </p:cNvPr>
+            <a:endParaRPr lang="en-US" dirty="0"/>
+          </a:p>
+        </p:txBody>
+      </p:sp>
+      <p:sp>
+        <p:nvSpPr>
+          <p:cNvPr id="3" name="Date Placeholder 2"/>
           <p:cNvSpPr>
             <a:spLocks noGrp="1"/>
           </p:cNvSpPr>
@@ -1972,7 +1726,7 @@
           <a:p>
             <a:fld id="{92E621AC-1D83-4E87-98E1-BC32AC5CC9D3}" type="datetimeFigureOut">
               <a:rPr lang="en-CA" smtClean="0"/>
-              <a:t>2024-07-30</a:t>
+              <a:t>2025-05-10</a:t>
             </a:fld>
             <a:endParaRPr lang="en-CA"/>
           </a:p>
@@ -1980,13 +1734,7 @@
       </p:sp>
       <p:sp>
         <p:nvSpPr>
-          <p:cNvPr id="4" name="Fußzeilenplatzhalter 3">
-            <a:extLst>
-              <a:ext uri="{FF2B5EF4-FFF2-40B4-BE49-F238E27FC236}">
-                <a16:creationId xmlns:a16="http://schemas.microsoft.com/office/drawing/2014/main" id="{C82F9962-E9DF-725B-D272-B38F6141600A}"/>
-              </a:ext>
-            </a:extLst>
-          </p:cNvPr>
+          <p:cNvPr id="4" name="Footer Placeholder 3"/>
           <p:cNvSpPr>
             <a:spLocks noGrp="1"/>
           </p:cNvSpPr>
@@ -2005,13 +1753,7 @@
       </p:sp>
       <p:sp>
         <p:nvSpPr>
-          <p:cNvPr id="5" name="Foliennummernplatzhalter 4">
-            <a:extLst>
-              <a:ext uri="{FF2B5EF4-FFF2-40B4-BE49-F238E27FC236}">
-                <a16:creationId xmlns:a16="http://schemas.microsoft.com/office/drawing/2014/main" id="{160FADFA-76A1-6B36-009E-6E35111013D4}"/>
-              </a:ext>
-            </a:extLst>
-          </p:cNvPr>
+          <p:cNvPr id="5" name="Slide Number Placeholder 4"/>
           <p:cNvSpPr>
             <a:spLocks noGrp="1"/>
           </p:cNvSpPr>
@@ -2035,7 +1777,7 @@
     </p:spTree>
     <p:extLst>
       <p:ext uri="{BB962C8B-B14F-4D97-AF65-F5344CB8AC3E}">
-        <p14:creationId xmlns:p14="http://schemas.microsoft.com/office/powerpoint/2010/main" val="2746935523"/>
+        <p14:creationId xmlns:p14="http://schemas.microsoft.com/office/powerpoint/2010/main" val="2231082081"/>
       </p:ext>
     </p:extLst>
   </p:cSld>
@@ -2064,13 +1806,7 @@
       </p:grpSpPr>
       <p:sp>
         <p:nvSpPr>
-          <p:cNvPr id="2" name="Datumsplatzhalter 1">
-            <a:extLst>
-              <a:ext uri="{FF2B5EF4-FFF2-40B4-BE49-F238E27FC236}">
-                <a16:creationId xmlns:a16="http://schemas.microsoft.com/office/drawing/2014/main" id="{FECFEF0F-4758-646F-F083-4AC5D9BE3C5D}"/>
-              </a:ext>
-            </a:extLst>
-          </p:cNvPr>
+          <p:cNvPr id="2" name="Date Placeholder 1"/>
           <p:cNvSpPr>
             <a:spLocks noGrp="1"/>
           </p:cNvSpPr>
@@ -2085,7 +1821,7 @@
           <a:p>
             <a:fld id="{92E621AC-1D83-4E87-98E1-BC32AC5CC9D3}" type="datetimeFigureOut">
               <a:rPr lang="en-CA" smtClean="0"/>
-              <a:t>2024-07-30</a:t>
+              <a:t>2025-05-10</a:t>
             </a:fld>
             <a:endParaRPr lang="en-CA"/>
           </a:p>
@@ -2093,13 +1829,7 @@
       </p:sp>
       <p:sp>
         <p:nvSpPr>
-          <p:cNvPr id="3" name="Fußzeilenplatzhalter 2">
-            <a:extLst>
-              <a:ext uri="{FF2B5EF4-FFF2-40B4-BE49-F238E27FC236}">
-                <a16:creationId xmlns:a16="http://schemas.microsoft.com/office/drawing/2014/main" id="{E0B7ECDD-8AE4-8FB1-130D-B572E020FD54}"/>
-              </a:ext>
-            </a:extLst>
-          </p:cNvPr>
+          <p:cNvPr id="3" name="Footer Placeholder 2"/>
           <p:cNvSpPr>
             <a:spLocks noGrp="1"/>
           </p:cNvSpPr>
@@ -2118,13 +1848,7 @@
       </p:sp>
       <p:sp>
         <p:nvSpPr>
-          <p:cNvPr id="4" name="Foliennummernplatzhalter 3">
-            <a:extLst>
-              <a:ext uri="{FF2B5EF4-FFF2-40B4-BE49-F238E27FC236}">
-                <a16:creationId xmlns:a16="http://schemas.microsoft.com/office/drawing/2014/main" id="{D73F3E63-BEE9-2A76-2289-96CF34313495}"/>
-              </a:ext>
-            </a:extLst>
-          </p:cNvPr>
+          <p:cNvPr id="4" name="Slide Number Placeholder 3"/>
           <p:cNvSpPr>
             <a:spLocks noGrp="1"/>
           </p:cNvSpPr>
@@ -2148,7 +1872,7 @@
     </p:spTree>
     <p:extLst>
       <p:ext uri="{BB962C8B-B14F-4D97-AF65-F5344CB8AC3E}">
-        <p14:creationId xmlns:p14="http://schemas.microsoft.com/office/powerpoint/2010/main" val="2449805336"/>
+        <p14:creationId xmlns:p14="http://schemas.microsoft.com/office/powerpoint/2010/main" val="22754749"/>
       </p:ext>
     </p:extLst>
   </p:cSld>
@@ -2177,13 +1901,7 @@
       </p:grpSpPr>
       <p:sp>
         <p:nvSpPr>
-          <p:cNvPr id="2" name="Titel 1">
-            <a:extLst>
-              <a:ext uri="{FF2B5EF4-FFF2-40B4-BE49-F238E27FC236}">
-                <a16:creationId xmlns:a16="http://schemas.microsoft.com/office/drawing/2014/main" id="{7C6B3D50-8D09-4368-47B3-F73E10AEF290}"/>
-              </a:ext>
-            </a:extLst>
-          </p:cNvPr>
+          <p:cNvPr id="2" name="Title 1"/>
           <p:cNvSpPr>
             <a:spLocks noGrp="1"/>
           </p:cNvSpPr>
@@ -2193,15 +1911,15 @@
         </p:nvSpPr>
         <p:spPr>
           <a:xfrm>
-            <a:off x="839788" y="457200"/>
-            <a:ext cx="3932237" cy="1600200"/>
+            <a:off x="743891" y="457200"/>
+            <a:ext cx="3483204" cy="1600200"/>
           </a:xfrm>
         </p:spPr>
         <p:txBody>
           <a:bodyPr anchor="b"/>
           <a:lstStyle>
             <a:lvl1pPr>
-              <a:defRPr sz="3200"/>
+              <a:defRPr sz="2835"/>
             </a:lvl1pPr>
           </a:lstStyle>
           <a:p>
@@ -2209,19 +1927,13 @@
               <a:rPr lang="de-DE"/>
               <a:t>Mastertitelformat bearbeiten</a:t>
             </a:r>
-            <a:endParaRPr lang="en-CA"/>
-          </a:p>
-        </p:txBody>
-      </p:sp>
-      <p:sp>
-        <p:nvSpPr>
-          <p:cNvPr id="3" name="Inhaltsplatzhalter 2">
-            <a:extLst>
-              <a:ext uri="{FF2B5EF4-FFF2-40B4-BE49-F238E27FC236}">
-                <a16:creationId xmlns:a16="http://schemas.microsoft.com/office/drawing/2014/main" id="{4ACFE042-AC7A-DA82-9C00-8FAF9A884227}"/>
-              </a:ext>
-            </a:extLst>
-          </p:cNvPr>
+            <a:endParaRPr lang="en-US" dirty="0"/>
+          </a:p>
+        </p:txBody>
+      </p:sp>
+      <p:sp>
+        <p:nvSpPr>
+          <p:cNvPr id="3" name="Content Placeholder 2"/>
           <p:cNvSpPr>
             <a:spLocks noGrp="1"/>
           </p:cNvSpPr>
@@ -2231,39 +1943,39 @@
         </p:nvSpPr>
         <p:spPr>
           <a:xfrm>
-            <a:off x="5183188" y="987425"/>
-            <a:ext cx="6172200" cy="4873625"/>
+            <a:off x="4591306" y="987426"/>
+            <a:ext cx="5467380" cy="4873625"/>
           </a:xfrm>
         </p:spPr>
         <p:txBody>
           <a:bodyPr/>
           <a:lstStyle>
             <a:lvl1pPr>
-              <a:defRPr sz="3200"/>
+              <a:defRPr sz="2835"/>
             </a:lvl1pPr>
             <a:lvl2pPr>
-              <a:defRPr sz="2800"/>
+              <a:defRPr sz="2480"/>
             </a:lvl2pPr>
             <a:lvl3pPr>
-              <a:defRPr sz="2400"/>
+              <a:defRPr sz="2126"/>
             </a:lvl3pPr>
             <a:lvl4pPr>
-              <a:defRPr sz="2000"/>
+              <a:defRPr sz="1772"/>
             </a:lvl4pPr>
             <a:lvl5pPr>
-              <a:defRPr sz="2000"/>
+              <a:defRPr sz="1772"/>
             </a:lvl5pPr>
             <a:lvl6pPr>
-              <a:defRPr sz="2000"/>
+              <a:defRPr sz="1772"/>
             </a:lvl6pPr>
             <a:lvl7pPr>
-              <a:defRPr sz="2000"/>
+              <a:defRPr sz="1772"/>
             </a:lvl7pPr>
             <a:lvl8pPr>
-              <a:defRPr sz="2000"/>
+              <a:defRPr sz="1772"/>
             </a:lvl8pPr>
             <a:lvl9pPr>
-              <a:defRPr sz="2000"/>
+              <a:defRPr sz="1772"/>
             </a:lvl9pPr>
           </a:lstStyle>
           <a:p>
@@ -2300,19 +2012,13 @@
               <a:rPr lang="de-DE"/>
               <a:t>Fünfte Ebene</a:t>
             </a:r>
-            <a:endParaRPr lang="en-CA"/>
-          </a:p>
-        </p:txBody>
-      </p:sp>
-      <p:sp>
-        <p:nvSpPr>
-          <p:cNvPr id="4" name="Textplatzhalter 3">
-            <a:extLst>
-              <a:ext uri="{FF2B5EF4-FFF2-40B4-BE49-F238E27FC236}">
-                <a16:creationId xmlns:a16="http://schemas.microsoft.com/office/drawing/2014/main" id="{29D84218-5DC5-1DF5-63C8-A28FAD863409}"/>
-              </a:ext>
-            </a:extLst>
-          </p:cNvPr>
+            <a:endParaRPr lang="en-US" dirty="0"/>
+          </a:p>
+        </p:txBody>
+      </p:sp>
+      <p:sp>
+        <p:nvSpPr>
+          <p:cNvPr id="4" name="Text Placeholder 3"/>
           <p:cNvSpPr>
             <a:spLocks noGrp="1"/>
           </p:cNvSpPr>
@@ -2322,8 +2028,8 @@
         </p:nvSpPr>
         <p:spPr>
           <a:xfrm>
-            <a:off x="839788" y="2057400"/>
-            <a:ext cx="3932237" cy="3811588"/>
+            <a:off x="743891" y="2057400"/>
+            <a:ext cx="3483204" cy="3811588"/>
           </a:xfrm>
         </p:spPr>
         <p:txBody>
@@ -2331,39 +2037,39 @@
           <a:lstStyle>
             <a:lvl1pPr marL="0" indent="0">
               <a:buNone/>
-              <a:defRPr sz="1600"/>
+              <a:defRPr sz="1417"/>
             </a:lvl1pPr>
-            <a:lvl2pPr marL="457200" indent="0">
-              <a:buNone/>
-              <a:defRPr sz="1400"/>
+            <a:lvl2pPr marL="404988" indent="0">
+              <a:buNone/>
+              <a:defRPr sz="1240"/>
             </a:lvl2pPr>
-            <a:lvl3pPr marL="914400" indent="0">
-              <a:buNone/>
-              <a:defRPr sz="1200"/>
+            <a:lvl3pPr marL="809976" indent="0">
+              <a:buNone/>
+              <a:defRPr sz="1063"/>
             </a:lvl3pPr>
-            <a:lvl4pPr marL="1371600" indent="0">
-              <a:buNone/>
-              <a:defRPr sz="1000"/>
+            <a:lvl4pPr marL="1214963" indent="0">
+              <a:buNone/>
+              <a:defRPr sz="886"/>
             </a:lvl4pPr>
-            <a:lvl5pPr marL="1828800" indent="0">
-              <a:buNone/>
-              <a:defRPr sz="1000"/>
+            <a:lvl5pPr marL="1619951" indent="0">
+              <a:buNone/>
+              <a:defRPr sz="886"/>
             </a:lvl5pPr>
-            <a:lvl6pPr marL="2286000" indent="0">
-              <a:buNone/>
-              <a:defRPr sz="1000"/>
+            <a:lvl6pPr marL="2024939" indent="0">
+              <a:buNone/>
+              <a:defRPr sz="886"/>
             </a:lvl6pPr>
-            <a:lvl7pPr marL="2743200" indent="0">
-              <a:buNone/>
-              <a:defRPr sz="1000"/>
+            <a:lvl7pPr marL="2429927" indent="0">
+              <a:buNone/>
+              <a:defRPr sz="886"/>
             </a:lvl7pPr>
-            <a:lvl8pPr marL="3200400" indent="0">
-              <a:buNone/>
-              <a:defRPr sz="1000"/>
+            <a:lvl8pPr marL="2834914" indent="0">
+              <a:buNone/>
+              <a:defRPr sz="886"/>
             </a:lvl8pPr>
-            <a:lvl9pPr marL="3657600" indent="0">
-              <a:buNone/>
-              <a:defRPr sz="1000"/>
+            <a:lvl9pPr marL="3239902" indent="0">
+              <a:buNone/>
+              <a:defRPr sz="886"/>
             </a:lvl9pPr>
           </a:lstStyle>
           <a:p>
@@ -2377,13 +2083,7 @@
       </p:sp>
       <p:sp>
         <p:nvSpPr>
-          <p:cNvPr id="5" name="Datumsplatzhalter 4">
-            <a:extLst>
-              <a:ext uri="{FF2B5EF4-FFF2-40B4-BE49-F238E27FC236}">
-                <a16:creationId xmlns:a16="http://schemas.microsoft.com/office/drawing/2014/main" id="{ABE00DF1-DC8A-20B9-81F2-8C91F993ACEE}"/>
-              </a:ext>
-            </a:extLst>
-          </p:cNvPr>
+          <p:cNvPr id="5" name="Date Placeholder 4"/>
           <p:cNvSpPr>
             <a:spLocks noGrp="1"/>
           </p:cNvSpPr>
@@ -2398,7 +2098,7 @@
           <a:p>
             <a:fld id="{92E621AC-1D83-4E87-98E1-BC32AC5CC9D3}" type="datetimeFigureOut">
               <a:rPr lang="en-CA" smtClean="0"/>
-              <a:t>2024-07-30</a:t>
+              <a:t>2025-05-10</a:t>
             </a:fld>
             <a:endParaRPr lang="en-CA"/>
           </a:p>
@@ -2406,13 +2106,7 @@
       </p:sp>
       <p:sp>
         <p:nvSpPr>
-          <p:cNvPr id="6" name="Fußzeilenplatzhalter 5">
-            <a:extLst>
-              <a:ext uri="{FF2B5EF4-FFF2-40B4-BE49-F238E27FC236}">
-                <a16:creationId xmlns:a16="http://schemas.microsoft.com/office/drawing/2014/main" id="{6363AAAD-C030-FCA8-4A70-8122F9048842}"/>
-              </a:ext>
-            </a:extLst>
-          </p:cNvPr>
+          <p:cNvPr id="6" name="Footer Placeholder 5"/>
           <p:cNvSpPr>
             <a:spLocks noGrp="1"/>
           </p:cNvSpPr>
@@ -2431,13 +2125,7 @@
       </p:sp>
       <p:sp>
         <p:nvSpPr>
-          <p:cNvPr id="7" name="Foliennummernplatzhalter 6">
-            <a:extLst>
-              <a:ext uri="{FF2B5EF4-FFF2-40B4-BE49-F238E27FC236}">
-                <a16:creationId xmlns:a16="http://schemas.microsoft.com/office/drawing/2014/main" id="{D9A1FFC5-C042-891B-08D5-E963F31341F2}"/>
-              </a:ext>
-            </a:extLst>
-          </p:cNvPr>
+          <p:cNvPr id="7" name="Slide Number Placeholder 6"/>
           <p:cNvSpPr>
             <a:spLocks noGrp="1"/>
           </p:cNvSpPr>
@@ -2461,7 +2149,7 @@
     </p:spTree>
     <p:extLst>
       <p:ext uri="{BB962C8B-B14F-4D97-AF65-F5344CB8AC3E}">
-        <p14:creationId xmlns:p14="http://schemas.microsoft.com/office/powerpoint/2010/main" val="1236914877"/>
+        <p14:creationId xmlns:p14="http://schemas.microsoft.com/office/powerpoint/2010/main" val="2220377353"/>
       </p:ext>
     </p:extLst>
   </p:cSld>
@@ -2490,13 +2178,7 @@
       </p:grpSpPr>
       <p:sp>
         <p:nvSpPr>
-          <p:cNvPr id="2" name="Titel 1">
-            <a:extLst>
-              <a:ext uri="{FF2B5EF4-FFF2-40B4-BE49-F238E27FC236}">
-                <a16:creationId xmlns:a16="http://schemas.microsoft.com/office/drawing/2014/main" id="{42CF06C0-6D0C-18C6-90A0-4EFE8CFB8303}"/>
-              </a:ext>
-            </a:extLst>
-          </p:cNvPr>
+          <p:cNvPr id="2" name="Title 1"/>
           <p:cNvSpPr>
             <a:spLocks noGrp="1"/>
           </p:cNvSpPr>
@@ -2506,15 +2188,15 @@
         </p:nvSpPr>
         <p:spPr>
           <a:xfrm>
-            <a:off x="839788" y="457200"/>
-            <a:ext cx="3932237" cy="1600200"/>
+            <a:off x="743891" y="457200"/>
+            <a:ext cx="3483204" cy="1600200"/>
           </a:xfrm>
         </p:spPr>
         <p:txBody>
           <a:bodyPr anchor="b"/>
           <a:lstStyle>
             <a:lvl1pPr>
-              <a:defRPr sz="3200"/>
+              <a:defRPr sz="2835"/>
             </a:lvl1pPr>
           </a:lstStyle>
           <a:p>
@@ -2522,21 +2204,15 @@
               <a:rPr lang="de-DE"/>
               <a:t>Mastertitelformat bearbeiten</a:t>
             </a:r>
-            <a:endParaRPr lang="en-CA"/>
-          </a:p>
-        </p:txBody>
-      </p:sp>
-      <p:sp>
-        <p:nvSpPr>
-          <p:cNvPr id="3" name="Bildplatzhalter 2">
-            <a:extLst>
-              <a:ext uri="{FF2B5EF4-FFF2-40B4-BE49-F238E27FC236}">
-                <a16:creationId xmlns:a16="http://schemas.microsoft.com/office/drawing/2014/main" id="{0C11E330-06D2-0B8F-0F2E-4E203FF11405}"/>
-              </a:ext>
-            </a:extLst>
-          </p:cNvPr>
-          <p:cNvSpPr>
-            <a:spLocks noGrp="1"/>
+            <a:endParaRPr lang="en-US" dirty="0"/>
+          </a:p>
+        </p:txBody>
+      </p:sp>
+      <p:sp>
+        <p:nvSpPr>
+          <p:cNvPr id="3" name="Picture Placeholder 2"/>
+          <p:cNvSpPr>
+            <a:spLocks noGrp="1" noChangeAspect="1"/>
           </p:cNvSpPr>
           <p:nvPr>
             <p:ph type="pic" idx="1"/>
@@ -2544,64 +2220,62 @@
         </p:nvSpPr>
         <p:spPr>
           <a:xfrm>
-            <a:off x="5183188" y="987425"/>
-            <a:ext cx="6172200" cy="4873625"/>
+            <a:off x="4591306" y="987426"/>
+            <a:ext cx="5467380" cy="4873625"/>
           </a:xfrm>
         </p:spPr>
         <p:txBody>
-          <a:bodyPr/>
+          <a:bodyPr anchor="t"/>
           <a:lstStyle>
             <a:lvl1pPr marL="0" indent="0">
               <a:buNone/>
-              <a:defRPr sz="3200"/>
+              <a:defRPr sz="2835"/>
             </a:lvl1pPr>
-            <a:lvl2pPr marL="457200" indent="0">
-              <a:buNone/>
-              <a:defRPr sz="2800"/>
+            <a:lvl2pPr marL="404988" indent="0">
+              <a:buNone/>
+              <a:defRPr sz="2480"/>
             </a:lvl2pPr>
-            <a:lvl3pPr marL="914400" indent="0">
-              <a:buNone/>
-              <a:defRPr sz="2400"/>
+            <a:lvl3pPr marL="809976" indent="0">
+              <a:buNone/>
+              <a:defRPr sz="2126"/>
             </a:lvl3pPr>
-            <a:lvl4pPr marL="1371600" indent="0">
-              <a:buNone/>
-              <a:defRPr sz="2000"/>
+            <a:lvl4pPr marL="1214963" indent="0">
+              <a:buNone/>
+              <a:defRPr sz="1772"/>
             </a:lvl4pPr>
-            <a:lvl5pPr marL="1828800" indent="0">
-              <a:buNone/>
-              <a:defRPr sz="2000"/>
+            <a:lvl5pPr marL="1619951" indent="0">
+              <a:buNone/>
+              <a:defRPr sz="1772"/>
             </a:lvl5pPr>
-            <a:lvl6pPr marL="2286000" indent="0">
-              <a:buNone/>
-              <a:defRPr sz="2000"/>
+            <a:lvl6pPr marL="2024939" indent="0">
+              <a:buNone/>
+              <a:defRPr sz="1772"/>
             </a:lvl6pPr>
-            <a:lvl7pPr marL="2743200" indent="0">
-              <a:buNone/>
-              <a:defRPr sz="2000"/>
+            <a:lvl7pPr marL="2429927" indent="0">
+              <a:buNone/>
+              <a:defRPr sz="1772"/>
             </a:lvl7pPr>
-            <a:lvl8pPr marL="3200400" indent="0">
-              <a:buNone/>
-              <a:defRPr sz="2000"/>
+            <a:lvl8pPr marL="2834914" indent="0">
+              <a:buNone/>
+              <a:defRPr sz="1772"/>
             </a:lvl8pPr>
-            <a:lvl9pPr marL="3657600" indent="0">
-              <a:buNone/>
-              <a:defRPr sz="2000"/>
+            <a:lvl9pPr marL="3239902" indent="0">
+              <a:buNone/>
+              <a:defRPr sz="1772"/>
             </a:lvl9pPr>
           </a:lstStyle>
           <a:p>
-            <a:endParaRPr lang="en-CA"/>
-          </a:p>
-        </p:txBody>
-      </p:sp>
-      <p:sp>
-        <p:nvSpPr>
-          <p:cNvPr id="4" name="Textplatzhalter 3">
-            <a:extLst>
-              <a:ext uri="{FF2B5EF4-FFF2-40B4-BE49-F238E27FC236}">
-                <a16:creationId xmlns:a16="http://schemas.microsoft.com/office/drawing/2014/main" id="{D934695B-DAC5-420C-6448-5036C4A91853}"/>
-              </a:ext>
-            </a:extLst>
-          </p:cNvPr>
+            <a:r>
+              <a:rPr lang="de-DE"/>
+              <a:t>Bild durch Klicken auf Symbol hinzufügen</a:t>
+            </a:r>
+            <a:endParaRPr lang="en-US" dirty="0"/>
+          </a:p>
+        </p:txBody>
+      </p:sp>
+      <p:sp>
+        <p:nvSpPr>
+          <p:cNvPr id="4" name="Text Placeholder 3"/>
           <p:cNvSpPr>
             <a:spLocks noGrp="1"/>
           </p:cNvSpPr>
@@ -2611,8 +2285,8 @@
         </p:nvSpPr>
         <p:spPr>
           <a:xfrm>
-            <a:off x="839788" y="2057400"/>
-            <a:ext cx="3932237" cy="3811588"/>
+            <a:off x="743891" y="2057400"/>
+            <a:ext cx="3483204" cy="3811588"/>
           </a:xfrm>
         </p:spPr>
         <p:txBody>
@@ -2620,39 +2294,39 @@
           <a:lstStyle>
             <a:lvl1pPr marL="0" indent="0">
               <a:buNone/>
-              <a:defRPr sz="1600"/>
+              <a:defRPr sz="1417"/>
             </a:lvl1pPr>
-            <a:lvl2pPr marL="457200" indent="0">
-              <a:buNone/>
-              <a:defRPr sz="1400"/>
+            <a:lvl2pPr marL="404988" indent="0">
+              <a:buNone/>
+              <a:defRPr sz="1240"/>
             </a:lvl2pPr>
-            <a:lvl3pPr marL="914400" indent="0">
-              <a:buNone/>
-              <a:defRPr sz="1200"/>
+            <a:lvl3pPr marL="809976" indent="0">
+              <a:buNone/>
+              <a:defRPr sz="1063"/>
             </a:lvl3pPr>
-            <a:lvl4pPr marL="1371600" indent="0">
-              <a:buNone/>
-              <a:defRPr sz="1000"/>
+            <a:lvl4pPr marL="1214963" indent="0">
+              <a:buNone/>
+              <a:defRPr sz="886"/>
             </a:lvl4pPr>
-            <a:lvl5pPr marL="1828800" indent="0">
-              <a:buNone/>
-              <a:defRPr sz="1000"/>
+            <a:lvl5pPr marL="1619951" indent="0">
+              <a:buNone/>
+              <a:defRPr sz="886"/>
             </a:lvl5pPr>
-            <a:lvl6pPr marL="2286000" indent="0">
-              <a:buNone/>
-              <a:defRPr sz="1000"/>
+            <a:lvl6pPr marL="2024939" indent="0">
+              <a:buNone/>
+              <a:defRPr sz="886"/>
             </a:lvl6pPr>
-            <a:lvl7pPr marL="2743200" indent="0">
-              <a:buNone/>
-              <a:defRPr sz="1000"/>
+            <a:lvl7pPr marL="2429927" indent="0">
+              <a:buNone/>
+              <a:defRPr sz="886"/>
             </a:lvl7pPr>
-            <a:lvl8pPr marL="3200400" indent="0">
-              <a:buNone/>
-              <a:defRPr sz="1000"/>
+            <a:lvl8pPr marL="2834914" indent="0">
+              <a:buNone/>
+              <a:defRPr sz="886"/>
             </a:lvl8pPr>
-            <a:lvl9pPr marL="3657600" indent="0">
-              <a:buNone/>
-              <a:defRPr sz="1000"/>
+            <a:lvl9pPr marL="3239902" indent="0">
+              <a:buNone/>
+              <a:defRPr sz="886"/>
             </a:lvl9pPr>
           </a:lstStyle>
           <a:p>
@@ -2666,13 +2340,7 @@
       </p:sp>
       <p:sp>
         <p:nvSpPr>
-          <p:cNvPr id="5" name="Datumsplatzhalter 4">
-            <a:extLst>
-              <a:ext uri="{FF2B5EF4-FFF2-40B4-BE49-F238E27FC236}">
-                <a16:creationId xmlns:a16="http://schemas.microsoft.com/office/drawing/2014/main" id="{4A90E631-097E-095B-5326-6AFB25914FB2}"/>
-              </a:ext>
-            </a:extLst>
-          </p:cNvPr>
+          <p:cNvPr id="5" name="Date Placeholder 4"/>
           <p:cNvSpPr>
             <a:spLocks noGrp="1"/>
           </p:cNvSpPr>
@@ -2687,7 +2355,7 @@
           <a:p>
             <a:fld id="{92E621AC-1D83-4E87-98E1-BC32AC5CC9D3}" type="datetimeFigureOut">
               <a:rPr lang="en-CA" smtClean="0"/>
-              <a:t>2024-07-30</a:t>
+              <a:t>2025-05-10</a:t>
             </a:fld>
             <a:endParaRPr lang="en-CA"/>
           </a:p>
@@ -2695,13 +2363,7 @@
       </p:sp>
       <p:sp>
         <p:nvSpPr>
-          <p:cNvPr id="6" name="Fußzeilenplatzhalter 5">
-            <a:extLst>
-              <a:ext uri="{FF2B5EF4-FFF2-40B4-BE49-F238E27FC236}">
-                <a16:creationId xmlns:a16="http://schemas.microsoft.com/office/drawing/2014/main" id="{AC3C894A-120D-1812-A2E1-BCE542853CA9}"/>
-              </a:ext>
-            </a:extLst>
-          </p:cNvPr>
+          <p:cNvPr id="6" name="Footer Placeholder 5"/>
           <p:cNvSpPr>
             <a:spLocks noGrp="1"/>
           </p:cNvSpPr>
@@ -2720,13 +2382,7 @@
       </p:sp>
       <p:sp>
         <p:nvSpPr>
-          <p:cNvPr id="7" name="Foliennummernplatzhalter 6">
-            <a:extLst>
-              <a:ext uri="{FF2B5EF4-FFF2-40B4-BE49-F238E27FC236}">
-                <a16:creationId xmlns:a16="http://schemas.microsoft.com/office/drawing/2014/main" id="{67B1E6D3-A992-E2C3-7DE6-A9F896CE429F}"/>
-              </a:ext>
-            </a:extLst>
-          </p:cNvPr>
+          <p:cNvPr id="7" name="Slide Number Placeholder 6"/>
           <p:cNvSpPr>
             <a:spLocks noGrp="1"/>
           </p:cNvSpPr>
@@ -2750,7 +2406,7 @@
     </p:spTree>
     <p:extLst>
       <p:ext uri="{BB962C8B-B14F-4D97-AF65-F5344CB8AC3E}">
-        <p14:creationId xmlns:p14="http://schemas.microsoft.com/office/powerpoint/2010/main" val="564367880"/>
+        <p14:creationId xmlns:p14="http://schemas.microsoft.com/office/powerpoint/2010/main" val="4019950221"/>
       </p:ext>
     </p:extLst>
   </p:cSld>
@@ -2784,13 +2440,7 @@
       </p:grpSpPr>
       <p:sp>
         <p:nvSpPr>
-          <p:cNvPr id="2" name="Titelplatzhalter 1">
-            <a:extLst>
-              <a:ext uri="{FF2B5EF4-FFF2-40B4-BE49-F238E27FC236}">
-                <a16:creationId xmlns:a16="http://schemas.microsoft.com/office/drawing/2014/main" id="{F16EECC7-28D6-5A43-A343-EBD34BA5A676}"/>
-              </a:ext>
-            </a:extLst>
-          </p:cNvPr>
+          <p:cNvPr id="2" name="Title Placeholder 1"/>
           <p:cNvSpPr>
             <a:spLocks noGrp="1"/>
           </p:cNvSpPr>
@@ -2800,8 +2450,8 @@
         </p:nvSpPr>
         <p:spPr>
           <a:xfrm>
-            <a:off x="838200" y="365125"/>
-            <a:ext cx="10515600" cy="1325563"/>
+            <a:off x="742484" y="365126"/>
+            <a:ext cx="9314796" cy="1325563"/>
           </a:xfrm>
           <a:prstGeom prst="rect">
             <a:avLst/>
@@ -2817,19 +2467,13 @@
               <a:rPr lang="de-DE"/>
               <a:t>Mastertitelformat bearbeiten</a:t>
             </a:r>
-            <a:endParaRPr lang="en-CA"/>
-          </a:p>
-        </p:txBody>
-      </p:sp>
-      <p:sp>
-        <p:nvSpPr>
-          <p:cNvPr id="3" name="Textplatzhalter 2">
-            <a:extLst>
-              <a:ext uri="{FF2B5EF4-FFF2-40B4-BE49-F238E27FC236}">
-                <a16:creationId xmlns:a16="http://schemas.microsoft.com/office/drawing/2014/main" id="{874DC7CF-BBB7-EB76-71F8-0477EDBF3137}"/>
-              </a:ext>
-            </a:extLst>
-          </p:cNvPr>
+            <a:endParaRPr lang="en-US" dirty="0"/>
+          </a:p>
+        </p:txBody>
+      </p:sp>
+      <p:sp>
+        <p:nvSpPr>
+          <p:cNvPr id="3" name="Text Placeholder 2"/>
           <p:cNvSpPr>
             <a:spLocks noGrp="1"/>
           </p:cNvSpPr>
@@ -2839,8 +2483,8 @@
         </p:nvSpPr>
         <p:spPr>
           <a:xfrm>
-            <a:off x="838200" y="1825625"/>
-            <a:ext cx="10515600" cy="4351338"/>
+            <a:off x="742484" y="1825625"/>
+            <a:ext cx="9314796" cy="4351338"/>
           </a:xfrm>
           <a:prstGeom prst="rect">
             <a:avLst/>
@@ -2885,19 +2529,13 @@
               <a:rPr lang="de-DE"/>
               <a:t>Fünfte Ebene</a:t>
             </a:r>
-            <a:endParaRPr lang="en-CA"/>
-          </a:p>
-        </p:txBody>
-      </p:sp>
-      <p:sp>
-        <p:nvSpPr>
-          <p:cNvPr id="4" name="Datumsplatzhalter 3">
-            <a:extLst>
-              <a:ext uri="{FF2B5EF4-FFF2-40B4-BE49-F238E27FC236}">
-                <a16:creationId xmlns:a16="http://schemas.microsoft.com/office/drawing/2014/main" id="{5768BE03-1BBC-12C6-CC56-17E7856B3FBA}"/>
-              </a:ext>
-            </a:extLst>
-          </p:cNvPr>
+            <a:endParaRPr lang="en-US" dirty="0"/>
+          </a:p>
+        </p:txBody>
+      </p:sp>
+      <p:sp>
+        <p:nvSpPr>
+          <p:cNvPr id="4" name="Date Placeholder 3"/>
           <p:cNvSpPr>
             <a:spLocks noGrp="1"/>
           </p:cNvSpPr>
@@ -2907,8 +2545,8 @@
         </p:nvSpPr>
         <p:spPr>
           <a:xfrm>
-            <a:off x="838200" y="6356350"/>
-            <a:ext cx="2743200" cy="365125"/>
+            <a:off x="742484" y="6356351"/>
+            <a:ext cx="2429947" cy="365125"/>
           </a:xfrm>
           <a:prstGeom prst="rect">
             <a:avLst/>
@@ -2918,7 +2556,7 @@
           <a:bodyPr vert="horz" lIns="91440" tIns="45720" rIns="91440" bIns="45720" rtlCol="0" anchor="ctr"/>
           <a:lstStyle>
             <a:lvl1pPr algn="l">
-              <a:defRPr sz="1200">
+              <a:defRPr sz="1063">
                 <a:solidFill>
                   <a:schemeClr val="tx1">
                     <a:tint val="75000"/>
@@ -2930,7 +2568,7 @@
           <a:p>
             <a:fld id="{92E621AC-1D83-4E87-98E1-BC32AC5CC9D3}" type="datetimeFigureOut">
               <a:rPr lang="en-CA" smtClean="0"/>
-              <a:t>2024-07-30</a:t>
+              <a:t>2025-05-10</a:t>
             </a:fld>
             <a:endParaRPr lang="en-CA"/>
           </a:p>
@@ -2938,13 +2576,7 @@
       </p:sp>
       <p:sp>
         <p:nvSpPr>
-          <p:cNvPr id="5" name="Fußzeilenplatzhalter 4">
-            <a:extLst>
-              <a:ext uri="{FF2B5EF4-FFF2-40B4-BE49-F238E27FC236}">
-                <a16:creationId xmlns:a16="http://schemas.microsoft.com/office/drawing/2014/main" id="{0E551C7E-885D-AAF4-E58A-7415713C6491}"/>
-              </a:ext>
-            </a:extLst>
-          </p:cNvPr>
+          <p:cNvPr id="5" name="Footer Placeholder 4"/>
           <p:cNvSpPr>
             <a:spLocks noGrp="1"/>
           </p:cNvSpPr>
@@ -2954,8 +2586,8 @@
         </p:nvSpPr>
         <p:spPr>
           <a:xfrm>
-            <a:off x="4038600" y="6356350"/>
-            <a:ext cx="4114800" cy="365125"/>
+            <a:off x="3577422" y="6356351"/>
+            <a:ext cx="3644920" cy="365125"/>
           </a:xfrm>
           <a:prstGeom prst="rect">
             <a:avLst/>
@@ -2965,7 +2597,7 @@
           <a:bodyPr vert="horz" lIns="91440" tIns="45720" rIns="91440" bIns="45720" rtlCol="0" anchor="ctr"/>
           <a:lstStyle>
             <a:lvl1pPr algn="ctr">
-              <a:defRPr sz="1200">
+              <a:defRPr sz="1063">
                 <a:solidFill>
                   <a:schemeClr val="tx1">
                     <a:tint val="75000"/>
@@ -2981,13 +2613,7 @@
       </p:sp>
       <p:sp>
         <p:nvSpPr>
-          <p:cNvPr id="6" name="Foliennummernplatzhalter 5">
-            <a:extLst>
-              <a:ext uri="{FF2B5EF4-FFF2-40B4-BE49-F238E27FC236}">
-                <a16:creationId xmlns:a16="http://schemas.microsoft.com/office/drawing/2014/main" id="{AC516476-782B-FA61-D4DA-75E9455CD471}"/>
-              </a:ext>
-            </a:extLst>
-          </p:cNvPr>
+          <p:cNvPr id="6" name="Slide Number Placeholder 5"/>
           <p:cNvSpPr>
             <a:spLocks noGrp="1"/>
           </p:cNvSpPr>
@@ -2997,8 +2623,8 @@
         </p:nvSpPr>
         <p:spPr>
           <a:xfrm>
-            <a:off x="8610600" y="6356350"/>
-            <a:ext cx="2743200" cy="365125"/>
+            <a:off x="7627332" y="6356351"/>
+            <a:ext cx="2429947" cy="365125"/>
           </a:xfrm>
           <a:prstGeom prst="rect">
             <a:avLst/>
@@ -3008,7 +2634,7 @@
           <a:bodyPr vert="horz" lIns="91440" tIns="45720" rIns="91440" bIns="45720" rtlCol="0" anchor="ctr"/>
           <a:lstStyle>
             <a:lvl1pPr algn="r">
-              <a:defRPr sz="1200">
+              <a:defRPr sz="1063">
                 <a:solidFill>
                   <a:schemeClr val="tx1">
                     <a:tint val="75000"/>
@@ -3029,27 +2655,27 @@
     </p:spTree>
     <p:extLst>
       <p:ext uri="{BB962C8B-B14F-4D97-AF65-F5344CB8AC3E}">
-        <p14:creationId xmlns:p14="http://schemas.microsoft.com/office/powerpoint/2010/main" val="4261541290"/>
+        <p14:creationId xmlns:p14="http://schemas.microsoft.com/office/powerpoint/2010/main" val="3549386076"/>
       </p:ext>
     </p:extLst>
   </p:cSld>
   <p:clrMap bg1="lt1" tx1="dk1" bg2="lt2" tx2="dk2" accent1="accent1" accent2="accent2" accent3="accent3" accent4="accent4" accent5="accent5" accent6="accent6" hlink="hlink" folHlink="folHlink"/>
   <p:sldLayoutIdLst>
-    <p:sldLayoutId id="2147483649" r:id="rId1"/>
-    <p:sldLayoutId id="2147483650" r:id="rId2"/>
-    <p:sldLayoutId id="2147483651" r:id="rId3"/>
-    <p:sldLayoutId id="2147483652" r:id="rId4"/>
-    <p:sldLayoutId id="2147483653" r:id="rId5"/>
-    <p:sldLayoutId id="2147483654" r:id="rId6"/>
-    <p:sldLayoutId id="2147483655" r:id="rId7"/>
-    <p:sldLayoutId id="2147483656" r:id="rId8"/>
-    <p:sldLayoutId id="2147483657" r:id="rId9"/>
-    <p:sldLayoutId id="2147483658" r:id="rId10"/>
-    <p:sldLayoutId id="2147483659" r:id="rId11"/>
+    <p:sldLayoutId id="2147483661" r:id="rId1"/>
+    <p:sldLayoutId id="2147483662" r:id="rId2"/>
+    <p:sldLayoutId id="2147483663" r:id="rId3"/>
+    <p:sldLayoutId id="2147483664" r:id="rId4"/>
+    <p:sldLayoutId id="2147483665" r:id="rId5"/>
+    <p:sldLayoutId id="2147483666" r:id="rId6"/>
+    <p:sldLayoutId id="2147483667" r:id="rId7"/>
+    <p:sldLayoutId id="2147483668" r:id="rId8"/>
+    <p:sldLayoutId id="2147483669" r:id="rId9"/>
+    <p:sldLayoutId id="2147483670" r:id="rId10"/>
+    <p:sldLayoutId id="2147483671" r:id="rId11"/>
   </p:sldLayoutIdLst>
   <p:txStyles>
     <p:titleStyle>
-      <a:lvl1pPr algn="l" defTabSz="914400" rtl="0" eaLnBrk="1" latinLnBrk="0" hangingPunct="1">
+      <a:lvl1pPr algn="l" defTabSz="809976" rtl="0" eaLnBrk="1" latinLnBrk="0" hangingPunct="1">
         <a:lnSpc>
           <a:spcPct val="90000"/>
         </a:lnSpc>
@@ -3057,7 +2683,7 @@
           <a:spcPct val="0"/>
         </a:spcBef>
         <a:buNone/>
-        <a:defRPr sz="4400" kern="1200">
+        <a:defRPr sz="3898" kern="1200">
           <a:solidFill>
             <a:schemeClr val="tx1"/>
           </a:solidFill>
@@ -3068,16 +2694,16 @@
       </a:lvl1pPr>
     </p:titleStyle>
     <p:bodyStyle>
-      <a:lvl1pPr marL="228600" indent="-228600" algn="l" defTabSz="914400" rtl="0" eaLnBrk="1" latinLnBrk="0" hangingPunct="1">
+      <a:lvl1pPr marL="202494" indent="-202494" algn="l" defTabSz="809976" rtl="0" eaLnBrk="1" latinLnBrk="0" hangingPunct="1">
         <a:lnSpc>
           <a:spcPct val="90000"/>
         </a:lnSpc>
         <a:spcBef>
-          <a:spcPts val="1000"/>
+          <a:spcPts val="886"/>
         </a:spcBef>
         <a:buFont typeface="Arial" panose="020B0604020202020204" pitchFamily="34" charset="0"/>
         <a:buChar char="•"/>
-        <a:defRPr sz="2800" kern="1200">
+        <a:defRPr sz="2480" kern="1200">
           <a:solidFill>
             <a:schemeClr val="tx1"/>
           </a:solidFill>
@@ -3086,16 +2712,16 @@
           <a:cs typeface="+mn-cs"/>
         </a:defRPr>
       </a:lvl1pPr>
-      <a:lvl2pPr marL="685800" indent="-228600" algn="l" defTabSz="914400" rtl="0" eaLnBrk="1" latinLnBrk="0" hangingPunct="1">
+      <a:lvl2pPr marL="607482" indent="-202494" algn="l" defTabSz="809976" rtl="0" eaLnBrk="1" latinLnBrk="0" hangingPunct="1">
         <a:lnSpc>
           <a:spcPct val="90000"/>
         </a:lnSpc>
         <a:spcBef>
-          <a:spcPts val="500"/>
+          <a:spcPts val="443"/>
         </a:spcBef>
         <a:buFont typeface="Arial" panose="020B0604020202020204" pitchFamily="34" charset="0"/>
         <a:buChar char="•"/>
-        <a:defRPr sz="2400" kern="1200">
+        <a:defRPr sz="2126" kern="1200">
           <a:solidFill>
             <a:schemeClr val="tx1"/>
           </a:solidFill>
@@ -3104,16 +2730,16 @@
           <a:cs typeface="+mn-cs"/>
         </a:defRPr>
       </a:lvl2pPr>
-      <a:lvl3pPr marL="1143000" indent="-228600" algn="l" defTabSz="914400" rtl="0" eaLnBrk="1" latinLnBrk="0" hangingPunct="1">
+      <a:lvl3pPr marL="1012469" indent="-202494" algn="l" defTabSz="809976" rtl="0" eaLnBrk="1" latinLnBrk="0" hangingPunct="1">
         <a:lnSpc>
           <a:spcPct val="90000"/>
         </a:lnSpc>
         <a:spcBef>
-          <a:spcPts val="500"/>
+          <a:spcPts val="443"/>
         </a:spcBef>
         <a:buFont typeface="Arial" panose="020B0604020202020204" pitchFamily="34" charset="0"/>
         <a:buChar char="•"/>
-        <a:defRPr sz="2000" kern="1200">
+        <a:defRPr sz="1772" kern="1200">
           <a:solidFill>
             <a:schemeClr val="tx1"/>
           </a:solidFill>
@@ -3122,16 +2748,16 @@
           <a:cs typeface="+mn-cs"/>
         </a:defRPr>
       </a:lvl3pPr>
-      <a:lvl4pPr marL="1600200" indent="-228600" algn="l" defTabSz="914400" rtl="0" eaLnBrk="1" latinLnBrk="0" hangingPunct="1">
+      <a:lvl4pPr marL="1417457" indent="-202494" algn="l" defTabSz="809976" rtl="0" eaLnBrk="1" latinLnBrk="0" hangingPunct="1">
         <a:lnSpc>
           <a:spcPct val="90000"/>
         </a:lnSpc>
         <a:spcBef>
-          <a:spcPts val="500"/>
+          <a:spcPts val="443"/>
         </a:spcBef>
         <a:buFont typeface="Arial" panose="020B0604020202020204" pitchFamily="34" charset="0"/>
         <a:buChar char="•"/>
-        <a:defRPr sz="1800" kern="1200">
+        <a:defRPr sz="1594" kern="1200">
           <a:solidFill>
             <a:schemeClr val="tx1"/>
           </a:solidFill>
@@ -3140,16 +2766,16 @@
           <a:cs typeface="+mn-cs"/>
         </a:defRPr>
       </a:lvl4pPr>
-      <a:lvl5pPr marL="2057400" indent="-228600" algn="l" defTabSz="914400" rtl="0" eaLnBrk="1" latinLnBrk="0" hangingPunct="1">
+      <a:lvl5pPr marL="1822445" indent="-202494" algn="l" defTabSz="809976" rtl="0" eaLnBrk="1" latinLnBrk="0" hangingPunct="1">
         <a:lnSpc>
           <a:spcPct val="90000"/>
         </a:lnSpc>
         <a:spcBef>
-          <a:spcPts val="500"/>
+          <a:spcPts val="443"/>
         </a:spcBef>
         <a:buFont typeface="Arial" panose="020B0604020202020204" pitchFamily="34" charset="0"/>
         <a:buChar char="•"/>
-        <a:defRPr sz="1800" kern="1200">
+        <a:defRPr sz="1594" kern="1200">
           <a:solidFill>
             <a:schemeClr val="tx1"/>
           </a:solidFill>
@@ -3158,16 +2784,16 @@
           <a:cs typeface="+mn-cs"/>
         </a:defRPr>
       </a:lvl5pPr>
-      <a:lvl6pPr marL="2514600" indent="-228600" algn="l" defTabSz="914400" rtl="0" eaLnBrk="1" latinLnBrk="0" hangingPunct="1">
+      <a:lvl6pPr marL="2227433" indent="-202494" algn="l" defTabSz="809976" rtl="0" eaLnBrk="1" latinLnBrk="0" hangingPunct="1">
         <a:lnSpc>
           <a:spcPct val="90000"/>
         </a:lnSpc>
         <a:spcBef>
-          <a:spcPts val="500"/>
+          <a:spcPts val="443"/>
         </a:spcBef>
         <a:buFont typeface="Arial" panose="020B0604020202020204" pitchFamily="34" charset="0"/>
         <a:buChar char="•"/>
-        <a:defRPr sz="1800" kern="1200">
+        <a:defRPr sz="1594" kern="1200">
           <a:solidFill>
             <a:schemeClr val="tx1"/>
           </a:solidFill>
@@ -3176,16 +2802,16 @@
           <a:cs typeface="+mn-cs"/>
         </a:defRPr>
       </a:lvl6pPr>
-      <a:lvl7pPr marL="2971800" indent="-228600" algn="l" defTabSz="914400" rtl="0" eaLnBrk="1" latinLnBrk="0" hangingPunct="1">
+      <a:lvl7pPr marL="2632420" indent="-202494" algn="l" defTabSz="809976" rtl="0" eaLnBrk="1" latinLnBrk="0" hangingPunct="1">
         <a:lnSpc>
           <a:spcPct val="90000"/>
         </a:lnSpc>
         <a:spcBef>
-          <a:spcPts val="500"/>
+          <a:spcPts val="443"/>
         </a:spcBef>
         <a:buFont typeface="Arial" panose="020B0604020202020204" pitchFamily="34" charset="0"/>
         <a:buChar char="•"/>
-        <a:defRPr sz="1800" kern="1200">
+        <a:defRPr sz="1594" kern="1200">
           <a:solidFill>
             <a:schemeClr val="tx1"/>
           </a:solidFill>
@@ -3194,16 +2820,16 @@
           <a:cs typeface="+mn-cs"/>
         </a:defRPr>
       </a:lvl7pPr>
-      <a:lvl8pPr marL="3429000" indent="-228600" algn="l" defTabSz="914400" rtl="0" eaLnBrk="1" latinLnBrk="0" hangingPunct="1">
+      <a:lvl8pPr marL="3037408" indent="-202494" algn="l" defTabSz="809976" rtl="0" eaLnBrk="1" latinLnBrk="0" hangingPunct="1">
         <a:lnSpc>
           <a:spcPct val="90000"/>
         </a:lnSpc>
         <a:spcBef>
-          <a:spcPts val="500"/>
+          <a:spcPts val="443"/>
         </a:spcBef>
         <a:buFont typeface="Arial" panose="020B0604020202020204" pitchFamily="34" charset="0"/>
         <a:buChar char="•"/>
-        <a:defRPr sz="1800" kern="1200">
+        <a:defRPr sz="1594" kern="1200">
           <a:solidFill>
             <a:schemeClr val="tx1"/>
           </a:solidFill>
@@ -3212,16 +2838,16 @@
           <a:cs typeface="+mn-cs"/>
         </a:defRPr>
       </a:lvl8pPr>
-      <a:lvl9pPr marL="3886200" indent="-228600" algn="l" defTabSz="914400" rtl="0" eaLnBrk="1" latinLnBrk="0" hangingPunct="1">
+      <a:lvl9pPr marL="3442396" indent="-202494" algn="l" defTabSz="809976" rtl="0" eaLnBrk="1" latinLnBrk="0" hangingPunct="1">
         <a:lnSpc>
           <a:spcPct val="90000"/>
         </a:lnSpc>
         <a:spcBef>
-          <a:spcPts val="500"/>
+          <a:spcPts val="443"/>
         </a:spcBef>
         <a:buFont typeface="Arial" panose="020B0604020202020204" pitchFamily="34" charset="0"/>
         <a:buChar char="•"/>
-        <a:defRPr sz="1800" kern="1200">
+        <a:defRPr sz="1594" kern="1200">
           <a:solidFill>
             <a:schemeClr val="tx1"/>
           </a:solidFill>
@@ -3235,8 +2861,8 @@
       <a:defPPr>
         <a:defRPr lang="en-US"/>
       </a:defPPr>
-      <a:lvl1pPr marL="0" algn="l" defTabSz="914400" rtl="0" eaLnBrk="1" latinLnBrk="0" hangingPunct="1">
-        <a:defRPr sz="1800" kern="1200">
+      <a:lvl1pPr marL="0" algn="l" defTabSz="809976" rtl="0" eaLnBrk="1" latinLnBrk="0" hangingPunct="1">
+        <a:defRPr sz="1594" kern="1200">
           <a:solidFill>
             <a:schemeClr val="tx1"/>
           </a:solidFill>
@@ -3245,8 +2871,8 @@
           <a:cs typeface="+mn-cs"/>
         </a:defRPr>
       </a:lvl1pPr>
-      <a:lvl2pPr marL="457200" algn="l" defTabSz="914400" rtl="0" eaLnBrk="1" latinLnBrk="0" hangingPunct="1">
-        <a:defRPr sz="1800" kern="1200">
+      <a:lvl2pPr marL="404988" algn="l" defTabSz="809976" rtl="0" eaLnBrk="1" latinLnBrk="0" hangingPunct="1">
+        <a:defRPr sz="1594" kern="1200">
           <a:solidFill>
             <a:schemeClr val="tx1"/>
           </a:solidFill>
@@ -3255,8 +2881,8 @@
           <a:cs typeface="+mn-cs"/>
         </a:defRPr>
       </a:lvl2pPr>
-      <a:lvl3pPr marL="914400" algn="l" defTabSz="914400" rtl="0" eaLnBrk="1" latinLnBrk="0" hangingPunct="1">
-        <a:defRPr sz="1800" kern="1200">
+      <a:lvl3pPr marL="809976" algn="l" defTabSz="809976" rtl="0" eaLnBrk="1" latinLnBrk="0" hangingPunct="1">
+        <a:defRPr sz="1594" kern="1200">
           <a:solidFill>
             <a:schemeClr val="tx1"/>
           </a:solidFill>
@@ -3265,8 +2891,8 @@
           <a:cs typeface="+mn-cs"/>
         </a:defRPr>
       </a:lvl3pPr>
-      <a:lvl4pPr marL="1371600" algn="l" defTabSz="914400" rtl="0" eaLnBrk="1" latinLnBrk="0" hangingPunct="1">
-        <a:defRPr sz="1800" kern="1200">
+      <a:lvl4pPr marL="1214963" algn="l" defTabSz="809976" rtl="0" eaLnBrk="1" latinLnBrk="0" hangingPunct="1">
+        <a:defRPr sz="1594" kern="1200">
           <a:solidFill>
             <a:schemeClr val="tx1"/>
           </a:solidFill>
@@ -3275,8 +2901,8 @@
           <a:cs typeface="+mn-cs"/>
         </a:defRPr>
       </a:lvl4pPr>
-      <a:lvl5pPr marL="1828800" algn="l" defTabSz="914400" rtl="0" eaLnBrk="1" latinLnBrk="0" hangingPunct="1">
-        <a:defRPr sz="1800" kern="1200">
+      <a:lvl5pPr marL="1619951" algn="l" defTabSz="809976" rtl="0" eaLnBrk="1" latinLnBrk="0" hangingPunct="1">
+        <a:defRPr sz="1594" kern="1200">
           <a:solidFill>
             <a:schemeClr val="tx1"/>
           </a:solidFill>
@@ -3285,8 +2911,8 @@
           <a:cs typeface="+mn-cs"/>
         </a:defRPr>
       </a:lvl5pPr>
-      <a:lvl6pPr marL="2286000" algn="l" defTabSz="914400" rtl="0" eaLnBrk="1" latinLnBrk="0" hangingPunct="1">
-        <a:defRPr sz="1800" kern="1200">
+      <a:lvl6pPr marL="2024939" algn="l" defTabSz="809976" rtl="0" eaLnBrk="1" latinLnBrk="0" hangingPunct="1">
+        <a:defRPr sz="1594" kern="1200">
           <a:solidFill>
             <a:schemeClr val="tx1"/>
           </a:solidFill>
@@ -3295,8 +2921,8 @@
           <a:cs typeface="+mn-cs"/>
         </a:defRPr>
       </a:lvl6pPr>
-      <a:lvl7pPr marL="2743200" algn="l" defTabSz="914400" rtl="0" eaLnBrk="1" latinLnBrk="0" hangingPunct="1">
-        <a:defRPr sz="1800" kern="1200">
+      <a:lvl7pPr marL="2429927" algn="l" defTabSz="809976" rtl="0" eaLnBrk="1" latinLnBrk="0" hangingPunct="1">
+        <a:defRPr sz="1594" kern="1200">
           <a:solidFill>
             <a:schemeClr val="tx1"/>
           </a:solidFill>
@@ -3305,8 +2931,8 @@
           <a:cs typeface="+mn-cs"/>
         </a:defRPr>
       </a:lvl7pPr>
-      <a:lvl8pPr marL="3200400" algn="l" defTabSz="914400" rtl="0" eaLnBrk="1" latinLnBrk="0" hangingPunct="1">
-        <a:defRPr sz="1800" kern="1200">
+      <a:lvl8pPr marL="2834914" algn="l" defTabSz="809976" rtl="0" eaLnBrk="1" latinLnBrk="0" hangingPunct="1">
+        <a:defRPr sz="1594" kern="1200">
           <a:solidFill>
             <a:schemeClr val="tx1"/>
           </a:solidFill>
@@ -3315,8 +2941,8 @@
           <a:cs typeface="+mn-cs"/>
         </a:defRPr>
       </a:lvl8pPr>
-      <a:lvl9pPr marL="3657600" algn="l" defTabSz="914400" rtl="0" eaLnBrk="1" latinLnBrk="0" hangingPunct="1">
-        <a:defRPr sz="1800" kern="1200">
+      <a:lvl9pPr marL="3239902" algn="l" defTabSz="809976" rtl="0" eaLnBrk="1" latinLnBrk="0" hangingPunct="1">
+        <a:defRPr sz="1594" kern="1200">
           <a:solidFill>
             <a:schemeClr val="tx1"/>
           </a:solidFill>
@@ -3361,8 +2987,8 @@
         </p:nvSpPr>
         <p:spPr>
           <a:xfrm>
-            <a:off x="3864176" y="387752"/>
-            <a:ext cx="4011703" cy="1738789"/>
+            <a:off x="3234170" y="177916"/>
+            <a:ext cx="3647003" cy="1482282"/>
           </a:xfrm>
           <a:prstGeom prst="rect">
             <a:avLst/>
@@ -3412,19 +3038,13 @@
             </a:r>
           </a:p>
           <a:p>
-            <a:r>
-              <a:rPr lang="en-US" dirty="0"/>
-              <a:t>Platform identifier:</a:t>
-            </a:r>
-          </a:p>
-          <a:p>
             <a:pPr marL="285750" indent="-285750">
               <a:buFontTx/>
               <a:buChar char="-"/>
             </a:pPr>
             <a:r>
               <a:rPr lang="en-US" dirty="0"/>
-              <a:t>Syntax</a:t>
+              <a:t>Platform identifier (syntax)</a:t>
             </a:r>
           </a:p>
           <a:p>
@@ -3434,10 +3054,14 @@
             </a:pPr>
             <a:r>
               <a:rPr lang="en-US" dirty="0"/>
-              <a:t>Search fields</a:t>
-            </a:r>
-          </a:p>
-          <a:p>
+              <a:t>General search field</a:t>
+            </a:r>
+          </a:p>
+          <a:p>
+            <a:pPr marL="285750" indent="-285750">
+              <a:buFontTx/>
+              <a:buChar char="-"/>
+            </a:pPr>
             <a:r>
               <a:rPr lang="en-US" dirty="0"/>
               <a:t>Saved in standard JSON</a:t>
@@ -3459,8 +3083,8 @@
         </p:nvSpPr>
         <p:spPr>
           <a:xfrm>
-            <a:off x="3864175" y="5367945"/>
-            <a:ext cx="4011703" cy="991315"/>
+            <a:off x="3234169" y="4920253"/>
+            <a:ext cx="3647003" cy="1199492"/>
           </a:xfrm>
           <a:prstGeom prst="rect">
             <a:avLst/>
@@ -3488,7 +3112,6 @@
               <a:rPr lang="en-US" b="1" dirty="0"/>
               <a:t>Query object</a:t>
             </a:r>
-            <a:endParaRPr lang="en-US" dirty="0"/>
           </a:p>
           <a:p>
             <a:pPr marL="285750" indent="-285750">
@@ -3497,7 +3120,17 @@
             </a:pPr>
             <a:r>
               <a:rPr lang="en-US" dirty="0"/>
-              <a:t>Standard fields</a:t>
+              <a:t>Translate to generic syntax</a:t>
+            </a:r>
+          </a:p>
+          <a:p>
+            <a:pPr marL="285750" indent="-285750">
+              <a:buFontTx/>
+              <a:buChar char="-"/>
+            </a:pPr>
+            <a:r>
+              <a:rPr lang="en-US" dirty="0"/>
+              <a:t>Translate to specific syntax</a:t>
             </a:r>
           </a:p>
         </p:txBody>
@@ -3516,8 +3149,8 @@
         </p:nvSpPr>
         <p:spPr>
           <a:xfrm>
-            <a:off x="493988" y="2274045"/>
-            <a:ext cx="4727109" cy="2828339"/>
+            <a:off x="192025" y="1807702"/>
+            <a:ext cx="4216715" cy="2828339"/>
           </a:xfrm>
           <a:prstGeom prst="roundRect">
             <a:avLst/>
@@ -3646,8 +3279,28 @@
           </a:p>
           <a:p>
             <a:r>
+              <a:rPr lang="en-CA" b="1" dirty="0"/>
+              <a:t>Linter</a:t>
+            </a:r>
+          </a:p>
+          <a:p>
+            <a:pPr marL="285750" indent="-285750">
+              <a:buFontTx/>
+              <a:buChar char="-"/>
+            </a:pPr>
+            <a:r>
               <a:rPr lang="en-CA" dirty="0"/>
-              <a:t>Debugging and analysis (tokenization, query structure, syntax linter)</a:t>
+              <a:t>Token validation</a:t>
+            </a:r>
+          </a:p>
+          <a:p>
+            <a:pPr marL="285750" indent="-285750">
+              <a:buFontTx/>
+              <a:buChar char="-"/>
+            </a:pPr>
+            <a:r>
+              <a:rPr lang="en-CA" dirty="0"/>
+              <a:t>Query validation</a:t>
             </a:r>
           </a:p>
         </p:txBody>
@@ -3666,7 +3319,7 @@
         </p:nvCxnSpPr>
         <p:spPr>
           <a:xfrm>
-            <a:off x="5749158" y="2225525"/>
+            <a:off x="4936801" y="1759182"/>
             <a:ext cx="0" cy="3043955"/>
           </a:xfrm>
           <a:prstGeom prst="straightConnector1">
@@ -3707,7 +3360,7 @@
         </p:nvCxnSpPr>
         <p:spPr>
           <a:xfrm flipV="1">
-            <a:off x="6258910" y="2225526"/>
+            <a:off x="5446553" y="1759183"/>
             <a:ext cx="0" cy="3043955"/>
           </a:xfrm>
           <a:prstGeom prst="straightConnector1">
@@ -3746,7 +3399,7 @@
         </p:nvSpPr>
         <p:spPr>
           <a:xfrm>
-            <a:off x="6753815" y="2973252"/>
+            <a:off x="5941459" y="2506909"/>
             <a:ext cx="3315457" cy="1319441"/>
           </a:xfrm>
           <a:prstGeom prst="roundRect">
@@ -3784,189 +3437,6 @@
           </a:p>
         </p:txBody>
       </p:sp>
-      <p:sp>
-        <p:nvSpPr>
-          <p:cNvPr id="14" name="Rechteck: abgerundete Ecken 13">
-            <a:extLst>
-              <a:ext uri="{FF2B5EF4-FFF2-40B4-BE49-F238E27FC236}">
-                <a16:creationId xmlns:a16="http://schemas.microsoft.com/office/drawing/2014/main" id="{9BCBE3C2-EF4B-95A7-19D2-C55287544014}"/>
-              </a:ext>
-            </a:extLst>
-          </p:cNvPr>
-          <p:cNvSpPr/>
-          <p:nvPr/>
-        </p:nvSpPr>
-        <p:spPr>
-          <a:xfrm>
-            <a:off x="8269210" y="5203881"/>
-            <a:ext cx="3683473" cy="1319441"/>
-          </a:xfrm>
-          <a:prstGeom prst="roundRect">
-            <a:avLst>
-              <a:gd name="adj" fmla="val 18260"/>
-            </a:avLst>
-          </a:prstGeom>
-        </p:spPr>
-        <p:style>
-          <a:lnRef idx="2">
-            <a:schemeClr val="dk1"/>
-          </a:lnRef>
-          <a:fillRef idx="1">
-            <a:schemeClr val="lt1"/>
-          </a:fillRef>
-          <a:effectRef idx="0">
-            <a:schemeClr val="dk1"/>
-          </a:effectRef>
-          <a:fontRef idx="minor">
-            <a:schemeClr val="dk1"/>
-          </a:fontRef>
-        </p:style>
-        <p:txBody>
-          <a:bodyPr rtlCol="0" anchor="ctr"/>
-          <a:lstStyle/>
-          <a:p>
-            <a:pPr marL="285750" indent="-285750">
-              <a:buFontTx/>
-              <a:buChar char="-"/>
-            </a:pPr>
-            <a:r>
-              <a:rPr lang="en-US" dirty="0"/>
-              <a:t>Query content analysis (linter, …)</a:t>
-            </a:r>
-          </a:p>
-          <a:p>
-            <a:pPr marL="285750" indent="-285750">
-              <a:buFontTx/>
-              <a:buChar char="-"/>
-            </a:pPr>
-            <a:r>
-              <a:rPr lang="en-US" dirty="0"/>
-              <a:t>Manipulation and improvement (programmatic or manual)</a:t>
-            </a:r>
-          </a:p>
-        </p:txBody>
-      </p:sp>
-      <p:sp>
-        <p:nvSpPr>
-          <p:cNvPr id="16" name="Rechteck: abgerundete Ecken 15">
-            <a:extLst>
-              <a:ext uri="{FF2B5EF4-FFF2-40B4-BE49-F238E27FC236}">
-                <a16:creationId xmlns:a16="http://schemas.microsoft.com/office/drawing/2014/main" id="{B920B65B-D03B-DDC4-C8F6-DB7B28EF3C0A}"/>
-              </a:ext>
-            </a:extLst>
-          </p:cNvPr>
-          <p:cNvSpPr/>
-          <p:nvPr/>
-        </p:nvSpPr>
-        <p:spPr>
-          <a:xfrm>
-            <a:off x="8486380" y="597425"/>
-            <a:ext cx="3315457" cy="1319441"/>
-          </a:xfrm>
-          <a:prstGeom prst="roundRect">
-            <a:avLst>
-              <a:gd name="adj" fmla="val 18260"/>
-            </a:avLst>
-          </a:prstGeom>
-        </p:spPr>
-        <p:style>
-          <a:lnRef idx="2">
-            <a:schemeClr val="dk1"/>
-          </a:lnRef>
-          <a:fillRef idx="1">
-            <a:schemeClr val="lt1"/>
-          </a:fillRef>
-          <a:effectRef idx="0">
-            <a:schemeClr val="dk1"/>
-          </a:effectRef>
-          <a:fontRef idx="minor">
-            <a:schemeClr val="dk1"/>
-          </a:fontRef>
-        </p:style>
-        <p:txBody>
-          <a:bodyPr rtlCol="0" anchor="ctr"/>
-          <a:lstStyle/>
-          <a:p>
-            <a:pPr marL="285750" indent="-285750">
-              <a:buFontTx/>
-              <a:buChar char="-"/>
-            </a:pPr>
-            <a:r>
-              <a:rPr lang="en-US" dirty="0"/>
-              <a:t>Read/save standard JSON</a:t>
-            </a:r>
-          </a:p>
-          <a:p>
-            <a:pPr marL="285750" indent="-285750">
-              <a:buFontTx/>
-              <a:buChar char="-"/>
-            </a:pPr>
-            <a:r>
-              <a:rPr lang="en-US" dirty="0"/>
-              <a:t>Run on API</a:t>
-            </a:r>
-          </a:p>
-          <a:p>
-            <a:pPr marL="285750" indent="-285750">
-              <a:buFontTx/>
-              <a:buChar char="-"/>
-            </a:pPr>
-            <a:r>
-              <a:rPr lang="en-US" dirty="0"/>
-              <a:t>Run on sample</a:t>
-            </a:r>
-          </a:p>
-          <a:p>
-            <a:pPr marL="285750" indent="-285750">
-              <a:buFontTx/>
-              <a:buChar char="-"/>
-            </a:pPr>
-            <a:r>
-              <a:rPr lang="en-US" dirty="0"/>
-              <a:t>Analytics (API-based)</a:t>
-            </a:r>
-          </a:p>
-        </p:txBody>
-      </p:sp>
-      <p:cxnSp>
-        <p:nvCxnSpPr>
-          <p:cNvPr id="18" name="Gerader Verbinder 17">
-            <a:extLst>
-              <a:ext uri="{FF2B5EF4-FFF2-40B4-BE49-F238E27FC236}">
-                <a16:creationId xmlns:a16="http://schemas.microsoft.com/office/drawing/2014/main" id="{E57125F4-DF81-6253-DC3F-07EADD0385D8}"/>
-              </a:ext>
-            </a:extLst>
-          </p:cNvPr>
-          <p:cNvCxnSpPr>
-            <a:stCxn id="5" idx="3"/>
-            <a:endCxn id="16" idx="1"/>
-          </p:cNvCxnSpPr>
-          <p:nvPr/>
-        </p:nvCxnSpPr>
-        <p:spPr>
-          <a:xfrm flipV="1">
-            <a:off x="7875879" y="1257146"/>
-            <a:ext cx="610501" cy="1"/>
-          </a:xfrm>
-          <a:prstGeom prst="line">
-            <a:avLst/>
-          </a:prstGeom>
-        </p:spPr>
-        <p:style>
-          <a:lnRef idx="1">
-            <a:schemeClr val="dk1"/>
-          </a:lnRef>
-          <a:fillRef idx="0">
-            <a:schemeClr val="dk1"/>
-          </a:fillRef>
-          <a:effectRef idx="0">
-            <a:schemeClr val="dk1"/>
-          </a:effectRef>
-          <a:fontRef idx="minor">
-            <a:schemeClr val="tx1"/>
-          </a:fontRef>
-        </p:style>
-      </p:cxnSp>
       <p:cxnSp>
         <p:nvCxnSpPr>
           <p:cNvPr id="19" name="Gerader Verbinder 18">
@@ -3983,7 +3453,7 @@
         </p:nvCxnSpPr>
         <p:spPr>
           <a:xfrm>
-            <a:off x="5221097" y="3688215"/>
+            <a:off x="4408741" y="3221871"/>
             <a:ext cx="494905" cy="0"/>
           </a:xfrm>
           <a:prstGeom prst="line">
@@ -4021,7 +3491,7 @@
         </p:nvCxnSpPr>
         <p:spPr>
           <a:xfrm>
-            <a:off x="6258910" y="3688215"/>
+            <a:off x="5446554" y="3221871"/>
             <a:ext cx="494905" cy="0"/>
           </a:xfrm>
           <a:prstGeom prst="line">
@@ -4043,26 +3513,135 @@
           </a:fontRef>
         </p:style>
       </p:cxnSp>
+      <p:sp>
+        <p:nvSpPr>
+          <p:cNvPr id="2" name="Rechteck: abgerundete Ecken 1">
+            <a:extLst>
+              <a:ext uri="{FF2B5EF4-FFF2-40B4-BE49-F238E27FC236}">
+                <a16:creationId xmlns:a16="http://schemas.microsoft.com/office/drawing/2014/main" id="{194FD51C-9BFD-FCB2-ACA0-79C3302F0503}"/>
+              </a:ext>
+            </a:extLst>
+          </p:cNvPr>
+          <p:cNvSpPr/>
+          <p:nvPr/>
+        </p:nvSpPr>
+        <p:spPr>
+          <a:xfrm>
+            <a:off x="7794643" y="5405295"/>
+            <a:ext cx="2490952" cy="1319441"/>
+          </a:xfrm>
+          <a:prstGeom prst="roundRect">
+            <a:avLst/>
+          </a:prstGeom>
+        </p:spPr>
+        <p:style>
+          <a:lnRef idx="2">
+            <a:schemeClr val="dk1"/>
+          </a:lnRef>
+          <a:fillRef idx="1">
+            <a:schemeClr val="lt1"/>
+          </a:fillRef>
+          <a:effectRef idx="0">
+            <a:schemeClr val="dk1"/>
+          </a:effectRef>
+          <a:fontRef idx="minor">
+            <a:schemeClr val="dk1"/>
+          </a:fontRef>
+        </p:style>
+        <p:txBody>
+          <a:bodyPr rtlCol="0" anchor="ctr"/>
+          <a:lstStyle/>
+          <a:p>
+            <a:r>
+              <a:rPr lang="en-US" b="1" dirty="0"/>
+              <a:t>Translator</a:t>
+            </a:r>
+          </a:p>
+          <a:p>
+            <a:pPr marL="285750" indent="-285750">
+              <a:buFontTx/>
+              <a:buChar char="-"/>
+            </a:pPr>
+            <a:r>
+              <a:rPr lang="en-US" dirty="0"/>
+              <a:t>To generic syntax</a:t>
+            </a:r>
+          </a:p>
+          <a:p>
+            <a:pPr marL="285750" indent="-285750">
+              <a:buFontTx/>
+              <a:buChar char="-"/>
+            </a:pPr>
+            <a:r>
+              <a:rPr lang="en-US" dirty="0"/>
+              <a:t>To specific syntax</a:t>
+            </a:r>
+          </a:p>
+        </p:txBody>
+      </p:sp>
       <p:cxnSp>
         <p:nvCxnSpPr>
-          <p:cNvPr id="22" name="Gerader Verbinder 21">
+          <p:cNvPr id="4" name="Verbinder: gewinkelt 3">
             <a:extLst>
               <a:ext uri="{FF2B5EF4-FFF2-40B4-BE49-F238E27FC236}">
-                <a16:creationId xmlns:a16="http://schemas.microsoft.com/office/drawing/2014/main" id="{73CDA796-02A5-38A3-F5B9-46A798F57208}"/>
+                <a16:creationId xmlns:a16="http://schemas.microsoft.com/office/drawing/2014/main" id="{A8669099-C937-E826-9CBF-D6A6225BE6CD}"/>
+              </a:ext>
+            </a:extLst>
+          </p:cNvPr>
+          <p:cNvCxnSpPr>
+            <a:stCxn id="6" idx="3"/>
+            <a:endCxn id="6" idx="2"/>
+          </p:cNvCxnSpPr>
+          <p:nvPr/>
+        </p:nvCxnSpPr>
+        <p:spPr>
+          <a:xfrm flipH="1">
+            <a:off x="5057671" y="5519999"/>
+            <a:ext cx="1823501" cy="599746"/>
+          </a:xfrm>
+          <a:prstGeom prst="bentConnector4">
+            <a:avLst>
+              <a:gd name="adj1" fmla="val -21562"/>
+              <a:gd name="adj2" fmla="val 162510"/>
+            </a:avLst>
+          </a:prstGeom>
+          <a:ln>
+            <a:tailEnd type="triangle"/>
+          </a:ln>
+        </p:spPr>
+        <p:style>
+          <a:lnRef idx="1">
+            <a:schemeClr val="dk1"/>
+          </a:lnRef>
+          <a:fillRef idx="0">
+            <a:schemeClr val="dk1"/>
+          </a:fillRef>
+          <a:effectRef idx="0">
+            <a:schemeClr val="dk1"/>
+          </a:effectRef>
+          <a:fontRef idx="minor">
+            <a:schemeClr val="tx1"/>
+          </a:fontRef>
+        </p:style>
+      </p:cxnSp>
+      <p:cxnSp>
+        <p:nvCxnSpPr>
+          <p:cNvPr id="13" name="Gerader Verbinder 12">
+            <a:extLst>
+              <a:ext uri="{FF2B5EF4-FFF2-40B4-BE49-F238E27FC236}">
+                <a16:creationId xmlns:a16="http://schemas.microsoft.com/office/drawing/2014/main" id="{205FF3A0-8B26-83AD-3F66-BEA571B5C5AF}"/>
               </a:ext>
             </a:extLst>
           </p:cNvPr>
           <p:cNvCxnSpPr>
             <a:cxnSpLocks/>
-            <a:stCxn id="6" idx="3"/>
-            <a:endCxn id="14" idx="1"/>
           </p:cNvCxnSpPr>
           <p:nvPr/>
         </p:nvCxnSpPr>
         <p:spPr>
-          <a:xfrm flipV="1">
-            <a:off x="7875878" y="5863602"/>
-            <a:ext cx="393332" cy="1"/>
+          <a:xfrm>
+            <a:off x="7299738" y="6065016"/>
+            <a:ext cx="494905" cy="0"/>
           </a:xfrm>
           <a:prstGeom prst="line">
             <a:avLst/>
@@ -4172,23 +3751,6 @@
         <a:font script="Viet" typeface="Times New Roman"/>
         <a:font script="Uigh" typeface="Microsoft Uighur"/>
         <a:font script="Geor" typeface="Sylfaen"/>
-        <a:font script="Armn" typeface="Arial"/>
-        <a:font script="Bugi" typeface="Leelawadee UI"/>
-        <a:font script="Bopo" typeface="Microsoft JhengHei"/>
-        <a:font script="Java" typeface="Javanese Text"/>
-        <a:font script="Lisu" typeface="Segoe UI"/>
-        <a:font script="Mymr" typeface="Myanmar Text"/>
-        <a:font script="Nkoo" typeface="Ebrima"/>
-        <a:font script="Olck" typeface="Nirmala UI"/>
-        <a:font script="Osma" typeface="Ebrima"/>
-        <a:font script="Phag" typeface="Phagspa"/>
-        <a:font script="Syrn" typeface="Estrangelo Edessa"/>
-        <a:font script="Syrj" typeface="Estrangelo Edessa"/>
-        <a:font script="Syre" typeface="Estrangelo Edessa"/>
-        <a:font script="Sora" typeface="Nirmala UI"/>
-        <a:font script="Tale" typeface="Microsoft Tai Le"/>
-        <a:font script="Talu" typeface="Microsoft New Tai Lue"/>
-        <a:font script="Tfng" typeface="Ebrima"/>
       </a:majorFont>
       <a:minorFont>
         <a:latin typeface="Calibri" panose="020F0502020204030204"/>
@@ -4224,23 +3786,6 @@
         <a:font script="Viet" typeface="Arial"/>
         <a:font script="Uigh" typeface="Microsoft Uighur"/>
         <a:font script="Geor" typeface="Sylfaen"/>
-        <a:font script="Armn" typeface="Arial"/>
-        <a:font script="Bugi" typeface="Leelawadee UI"/>
-        <a:font script="Bopo" typeface="Microsoft JhengHei"/>
-        <a:font script="Java" typeface="Javanese Text"/>
-        <a:font script="Lisu" typeface="Segoe UI"/>
-        <a:font script="Mymr" typeface="Myanmar Text"/>
-        <a:font script="Nkoo" typeface="Ebrima"/>
-        <a:font script="Olck" typeface="Nirmala UI"/>
-        <a:font script="Osma" typeface="Ebrima"/>
-        <a:font script="Phag" typeface="Phagspa"/>
-        <a:font script="Syrn" typeface="Estrangelo Edessa"/>
-        <a:font script="Syrj" typeface="Estrangelo Edessa"/>
-        <a:font script="Syre" typeface="Estrangelo Edessa"/>
-        <a:font script="Sora" typeface="Nirmala UI"/>
-        <a:font script="Tale" typeface="Microsoft Tai Le"/>
-        <a:font script="Talu" typeface="Microsoft New Tai Lue"/>
-        <a:font script="Tfng" typeface="Ebrima"/>
       </a:minorFont>
     </a:fontScheme>
     <a:fmtScheme name="Office">
@@ -4385,7 +3930,7 @@
   <a:extraClrSchemeLst/>
   <a:extLst>
     <a:ext uri="{05A4C25C-085E-4340-85A3-A5531E510DB2}">
-      <thm15:themeFamily xmlns:thm15="http://schemas.microsoft.com/office/thememl/2012/main" name="Office Theme" id="{62F939B6-93AF-4DB8-9C6B-D6C7DFDC589F}" vid="{4A3C46E8-61CC-4603-A589-7422A47A8E4A}"/>
+      <thm15:themeFamily xmlns:thm15="http://schemas.microsoft.com/office/thememl/2012/main" name="Office 2013 - 2022 Theme" id="{62F939B6-93AF-4DB8-9C6B-D6C7DFDC589F}" vid="{4A3C46E8-61CC-4603-A589-7422A47A8E4A}"/>
     </a:ext>
   </a:extLst>
 </a:theme>

--- a/docs/source/dev_docs/documentation.pptx
+++ b/docs/source/dev_docs/documentation.pptx
@@ -2987,8 +2987,8 @@
         </p:nvSpPr>
         <p:spPr>
           <a:xfrm>
-            <a:off x="3234170" y="177916"/>
-            <a:ext cx="3647003" cy="1482282"/>
+            <a:off x="3051820" y="177916"/>
+            <a:ext cx="4011703" cy="1482282"/>
           </a:xfrm>
           <a:prstGeom prst="rect">
             <a:avLst/>
@@ -3083,8 +3083,8 @@
         </p:nvSpPr>
         <p:spPr>
           <a:xfrm>
-            <a:off x="3234169" y="4920253"/>
-            <a:ext cx="3647003" cy="1199492"/>
+            <a:off x="3051819" y="4920253"/>
+            <a:ext cx="4011703" cy="1199492"/>
           </a:xfrm>
           <a:prstGeom prst="rect">
             <a:avLst/>
@@ -3120,17 +3120,7 @@
             </a:pPr>
             <a:r>
               <a:rPr lang="en-US" dirty="0"/>
-              <a:t>Translate to generic syntax</a:t>
-            </a:r>
-          </a:p>
-          <a:p>
-            <a:pPr marL="285750" indent="-285750">
-              <a:buFontTx/>
-              <a:buChar char="-"/>
-            </a:pPr>
-            <a:r>
-              <a:rPr lang="en-US" dirty="0"/>
-              <a:t>Translate to specific syntax</a:t>
+              <a:t>Properties: value, operator, children</a:t>
             </a:r>
           </a:p>
         </p:txBody>
@@ -3181,44 +3171,8 @@
           </a:p>
           <a:p>
             <a:r>
-              <a:rPr lang="de-DE" dirty="0" err="1"/>
-              <a:t>Creates</a:t>
-            </a:r>
-            <a:r>
-              <a:rPr lang="de-DE" dirty="0"/>
-              <a:t> </a:t>
-            </a:r>
-            <a:r>
-              <a:rPr lang="de-DE" dirty="0" err="1"/>
-              <a:t>query</a:t>
-            </a:r>
-            <a:r>
-              <a:rPr lang="de-DE" dirty="0"/>
-              <a:t> </a:t>
-            </a:r>
-            <a:r>
-              <a:rPr lang="de-DE" dirty="0" err="1"/>
-              <a:t>object</a:t>
-            </a:r>
-            <a:r>
-              <a:rPr lang="de-DE" dirty="0"/>
-              <a:t> </a:t>
-            </a:r>
-            <a:r>
-              <a:rPr lang="de-DE" dirty="0" err="1"/>
-              <a:t>from</a:t>
-            </a:r>
-            <a:r>
-              <a:rPr lang="de-DE" dirty="0"/>
-              <a:t> </a:t>
-            </a:r>
-            <a:r>
-              <a:rPr lang="de-DE" dirty="0" err="1"/>
-              <a:t>search</a:t>
-            </a:r>
-            <a:r>
-              <a:rPr lang="de-DE" dirty="0"/>
-              <a:t> string.</a:t>
+              <a:rPr lang="de-DE" noProof="1"/>
+              <a:t>Creates query object from search string.</a:t>
             </a:r>
           </a:p>
           <a:p>
@@ -3227,10 +3181,9 @@
               <a:buChar char="-"/>
             </a:pPr>
             <a:r>
-              <a:rPr lang="de-DE" dirty="0" err="1"/>
+              <a:rPr lang="de-DE" noProof="1"/>
               <a:t>Tokenize</a:t>
             </a:r>
-            <a:endParaRPr lang="de-DE" dirty="0"/>
           </a:p>
           <a:p>
             <a:pPr marL="285750" indent="-285750">
@@ -3238,14 +3191,9 @@
               <a:buChar char="-"/>
             </a:pPr>
             <a:r>
-              <a:rPr lang="de-DE" dirty="0"/>
-              <a:t>Parse </a:t>
-            </a:r>
-            <a:r>
-              <a:rPr lang="de-DE" dirty="0" err="1"/>
-              <a:t>tree</a:t>
-            </a:r>
-            <a:endParaRPr lang="de-DE" dirty="0"/>
+              <a:rPr lang="de-DE" noProof="1"/>
+              <a:t>Parse tree</a:t>
+            </a:r>
           </a:p>
           <a:p>
             <a:pPr marL="285750" indent="-285750">
@@ -3253,24 +3201,8 @@
               <a:buChar char="-"/>
             </a:pPr>
             <a:r>
-              <a:rPr lang="de-DE" dirty="0" err="1"/>
-              <a:t>Translate</a:t>
-            </a:r>
-            <a:r>
-              <a:rPr lang="de-DE" dirty="0"/>
-              <a:t> </a:t>
-            </a:r>
-            <a:r>
-              <a:rPr lang="de-DE" dirty="0" err="1"/>
-              <a:t>search</a:t>
-            </a:r>
-            <a:r>
-              <a:rPr lang="de-DE" dirty="0"/>
-              <a:t> </a:t>
-            </a:r>
-            <a:r>
-              <a:rPr lang="de-DE" dirty="0" err="1"/>
-              <a:t>fields</a:t>
+              <a:rPr lang="de-DE" noProof="1"/>
+              <a:t>Translate search fields</a:t>
             </a:r>
             <a:endParaRPr lang="en-CA" dirty="0"/>
           </a:p>
@@ -3399,8 +3331,8 @@
         </p:nvSpPr>
         <p:spPr>
           <a:xfrm>
-            <a:off x="5941459" y="2506909"/>
-            <a:ext cx="3315457" cy="1319441"/>
+            <a:off x="5941459" y="2621406"/>
+            <a:ext cx="4344136" cy="1090447"/>
           </a:xfrm>
           <a:prstGeom prst="roundRect">
             <a:avLst/>
@@ -3597,12 +3529,12 @@
         <p:spPr>
           <a:xfrm flipH="1">
             <a:off x="5057671" y="5519999"/>
-            <a:ext cx="1823501" cy="599746"/>
+            <a:ext cx="2005851" cy="599746"/>
           </a:xfrm>
           <a:prstGeom prst="bentConnector4">
             <a:avLst>
-              <a:gd name="adj1" fmla="val -21562"/>
-              <a:gd name="adj2" fmla="val 162510"/>
+              <a:gd name="adj1" fmla="val -11397"/>
+              <a:gd name="adj2" fmla="val 138116"/>
             </a:avLst>
           </a:prstGeom>
           <a:ln>
